--- a/MusicMind.pptx
+++ b/MusicMind.pptx
@@ -6,11 +6,11 @@
   </p:sldMasterIdLst>
   <p:sldIdLst>
     <p:sldId id="256" r:id="rId2"/>
-    <p:sldId id="258" r:id="rId3"/>
-    <p:sldId id="268" r:id="rId4"/>
-    <p:sldId id="269" r:id="rId5"/>
-    <p:sldId id="270" r:id="rId6"/>
-    <p:sldId id="259" r:id="rId7"/>
+    <p:sldId id="259" r:id="rId3"/>
+    <p:sldId id="258" r:id="rId4"/>
+    <p:sldId id="268" r:id="rId5"/>
+    <p:sldId id="269" r:id="rId6"/>
+    <p:sldId id="270" r:id="rId7"/>
     <p:sldId id="260" r:id="rId8"/>
     <p:sldId id="265" r:id="rId9"/>
     <p:sldId id="262" r:id="rId10"/>
@@ -19,9 +19,7 @@
     <p:sldId id="275" r:id="rId13"/>
     <p:sldId id="266" r:id="rId14"/>
     <p:sldId id="271" r:id="rId15"/>
-    <p:sldId id="272" r:id="rId16"/>
-    <p:sldId id="274" r:id="rId17"/>
-    <p:sldId id="273" r:id="rId18"/>
+    <p:sldId id="273" r:id="rId16"/>
   </p:sldIdLst>
   <p:sldSz cx="12192000" cy="6858000"/>
   <p:notesSz cx="6858000" cy="9144000"/>
@@ -6097,7 +6095,7 @@
         <p:cNvPr id="1" name="">
           <a:extLst>
             <a:ext uri="{FF2B5EF4-FFF2-40B4-BE49-F238E27FC236}">
-              <a16:creationId xmlns:a16="http://schemas.microsoft.com/office/drawing/2014/main" id="{7D3DA29B-EC9D-84D6-66ED-6BB7F11F8752}"/>
+              <a16:creationId xmlns:a16="http://schemas.microsoft.com/office/drawing/2014/main" id="{54098F1D-FB1A-BD90-29DA-A023291E8A38}"/>
             </a:ext>
           </a:extLst>
         </p:cNvPr>
@@ -6117,7 +6115,7 @@
           <p:cNvPr id="4" name="Rettangolo 3">
             <a:extLst>
               <a:ext uri="{FF2B5EF4-FFF2-40B4-BE49-F238E27FC236}">
-                <a16:creationId xmlns:a16="http://schemas.microsoft.com/office/drawing/2014/main" id="{E18B75EA-8718-28FD-68EE-286BAC38C0D8}"/>
+                <a16:creationId xmlns:a16="http://schemas.microsoft.com/office/drawing/2014/main" id="{97BAE324-DCFF-3182-51EE-23182437160C}"/>
               </a:ext>
             </a:extLst>
           </p:cNvPr>
@@ -6126,7 +6124,7 @@
         </p:nvSpPr>
         <p:spPr>
           <a:xfrm>
-            <a:off x="-1432" y="-9236"/>
+            <a:off x="-21336" y="0"/>
             <a:ext cx="12213336" cy="6858000"/>
           </a:xfrm>
           <a:prstGeom prst="rect">
@@ -6159,6 +6157,201 @@
           <a:lstStyle/>
           <a:p>
             <a:pPr algn="ctr"/>
+            <a:endParaRPr lang="it-IT" dirty="0"/>
+          </a:p>
+        </p:txBody>
+      </p:sp>
+      <p:sp>
+        <p:nvSpPr>
+          <p:cNvPr id="2" name="Titolo 1">
+            <a:extLst>
+              <a:ext uri="{FF2B5EF4-FFF2-40B4-BE49-F238E27FC236}">
+                <a16:creationId xmlns:a16="http://schemas.microsoft.com/office/drawing/2014/main" id="{06F72E72-CDB8-D12F-CCF1-1876C51891A1}"/>
+              </a:ext>
+            </a:extLst>
+          </p:cNvPr>
+          <p:cNvSpPr>
+            <a:spLocks noGrp="1"/>
+          </p:cNvSpPr>
+          <p:nvPr>
+            <p:ph type="ctrTitle"/>
+          </p:nvPr>
+        </p:nvSpPr>
+        <p:spPr>
+          <a:xfrm>
+            <a:off x="428244" y="883223"/>
+            <a:ext cx="11314176" cy="3038855"/>
+          </a:xfrm>
+        </p:spPr>
+        <p:txBody>
+          <a:bodyPr>
+            <a:normAutofit/>
+          </a:bodyPr>
+          <a:lstStyle/>
+          <a:p>
+            <a:r>
+              <a:rPr lang="it-IT" sz="13800" dirty="0" err="1">
+                <a:solidFill>
+                  <a:srgbClr val="6495ED"/>
+                </a:solidFill>
+                <a:latin typeface="Slackey" panose="02000000000000000000" pitchFamily="2" charset="0"/>
+              </a:rPr>
+              <a:t>MusicMind</a:t>
+            </a:r>
+            <a:endParaRPr lang="it-IT" sz="13800" dirty="0">
+              <a:solidFill>
+                <a:srgbClr val="6495ED"/>
+              </a:solidFill>
+              <a:latin typeface="Slackey" panose="02000000000000000000" pitchFamily="2" charset="0"/>
+            </a:endParaRPr>
+          </a:p>
+        </p:txBody>
+      </p:sp>
+      <p:sp>
+        <p:nvSpPr>
+          <p:cNvPr id="5" name="Rettangolo con angoli arrotondati 4">
+            <a:extLst>
+              <a:ext uri="{FF2B5EF4-FFF2-40B4-BE49-F238E27FC236}">
+                <a16:creationId xmlns:a16="http://schemas.microsoft.com/office/drawing/2014/main" id="{32163FC0-FF9B-4726-21E1-7B10169A8B8E}"/>
+              </a:ext>
+            </a:extLst>
+          </p:cNvPr>
+          <p:cNvSpPr/>
+          <p:nvPr/>
+        </p:nvSpPr>
+        <p:spPr>
+          <a:xfrm>
+            <a:off x="2795016" y="4392865"/>
+            <a:ext cx="6601968" cy="1014984"/>
+          </a:xfrm>
+          <a:prstGeom prst="roundRect">
+            <a:avLst>
+              <a:gd name="adj" fmla="val 7658"/>
+            </a:avLst>
+          </a:prstGeom>
+          <a:noFill/>
+          <a:ln w="38100">
+            <a:solidFill>
+              <a:srgbClr val="FFA500"/>
+            </a:solidFill>
+          </a:ln>
+        </p:spPr>
+        <p:style>
+          <a:lnRef idx="2">
+            <a:schemeClr val="accent1">
+              <a:shade val="15000"/>
+            </a:schemeClr>
+          </a:lnRef>
+          <a:fillRef idx="1">
+            <a:schemeClr val="accent1"/>
+          </a:fillRef>
+          <a:effectRef idx="0">
+            <a:schemeClr val="accent1"/>
+          </a:effectRef>
+          <a:fontRef idx="minor">
+            <a:schemeClr val="lt1"/>
+          </a:fontRef>
+        </p:style>
+        <p:txBody>
+          <a:bodyPr rtlCol="0" anchor="ctr"/>
+          <a:lstStyle/>
+          <a:p>
+            <a:pPr algn="ctr"/>
+            <a:r>
+              <a:rPr lang="it-IT" sz="2800" dirty="0">
+                <a:solidFill>
+                  <a:srgbClr val="6495ED"/>
+                </a:solidFill>
+                <a:latin typeface="Audiowide" panose="02000503000000020004" pitchFamily="2" charset="0"/>
+              </a:rPr>
+              <a:t>THANKS FOR THE ATTENTION</a:t>
+            </a:r>
+          </a:p>
+        </p:txBody>
+      </p:sp>
+    </p:spTree>
+    <p:extLst>
+      <p:ext uri="{BB962C8B-B14F-4D97-AF65-F5344CB8AC3E}">
+        <p14:creationId xmlns:p14="http://schemas.microsoft.com/office/powerpoint/2010/main" val="2473321203"/>
+      </p:ext>
+    </p:extLst>
+  </p:cSld>
+  <p:clrMapOvr>
+    <a:masterClrMapping/>
+  </p:clrMapOvr>
+</p:sld>
+</file>
+
+<file path=ppt/slides/slide2.xml><?xml version="1.0" encoding="utf-8"?>
+<p:sld xmlns:a="http://schemas.openxmlformats.org/drawingml/2006/main" xmlns:r="http://schemas.openxmlformats.org/officeDocument/2006/relationships" xmlns:p="http://schemas.openxmlformats.org/presentationml/2006/main">
+  <p:cSld>
+    <p:spTree>
+      <p:nvGrpSpPr>
+        <p:cNvPr id="1" name="">
+          <a:extLst>
+            <a:ext uri="{FF2B5EF4-FFF2-40B4-BE49-F238E27FC236}">
+              <a16:creationId xmlns:a16="http://schemas.microsoft.com/office/drawing/2014/main" id="{5EF6A2ED-9039-7844-FA2D-8944A55F983B}"/>
+            </a:ext>
+          </a:extLst>
+        </p:cNvPr>
+        <p:cNvGrpSpPr/>
+        <p:nvPr/>
+      </p:nvGrpSpPr>
+      <p:grpSpPr>
+        <a:xfrm>
+          <a:off x="0" y="0"/>
+          <a:ext cx="0" cy="0"/>
+          <a:chOff x="0" y="0"/>
+          <a:chExt cx="0" cy="0"/>
+        </a:xfrm>
+      </p:grpSpPr>
+      <p:sp>
+        <p:nvSpPr>
+          <p:cNvPr id="4" name="Rettangolo 3">
+            <a:extLst>
+              <a:ext uri="{FF2B5EF4-FFF2-40B4-BE49-F238E27FC236}">
+                <a16:creationId xmlns:a16="http://schemas.microsoft.com/office/drawing/2014/main" id="{7C8B0C57-7C21-673F-04F1-D767F2C46A94}"/>
+              </a:ext>
+            </a:extLst>
+          </p:cNvPr>
+          <p:cNvSpPr/>
+          <p:nvPr/>
+        </p:nvSpPr>
+        <p:spPr>
+          <a:xfrm>
+            <a:off x="-21336" y="0"/>
+            <a:ext cx="12213336" cy="6858000"/>
+          </a:xfrm>
+          <a:prstGeom prst="rect">
+            <a:avLst/>
+          </a:prstGeom>
+          <a:blipFill dpi="0" rotWithShape="1">
+            <a:blip r:embed="rId2"/>
+            <a:srcRect/>
+            <a:tile tx="0" ty="0" sx="100000" sy="100000" flip="none" algn="tl"/>
+          </a:blipFill>
+        </p:spPr>
+        <p:style>
+          <a:lnRef idx="2">
+            <a:schemeClr val="accent1">
+              <a:shade val="15000"/>
+            </a:schemeClr>
+          </a:lnRef>
+          <a:fillRef idx="1">
+            <a:schemeClr val="accent1"/>
+          </a:fillRef>
+          <a:effectRef idx="0">
+            <a:schemeClr val="accent1"/>
+          </a:effectRef>
+          <a:fontRef idx="minor">
+            <a:schemeClr val="lt1"/>
+          </a:fontRef>
+        </p:style>
+        <p:txBody>
+          <a:bodyPr rtlCol="0" anchor="ctr"/>
+          <a:lstStyle/>
+          <a:p>
+            <a:pPr algn="ctr"/>
             <a:endParaRPr lang="it-IT" dirty="0">
               <a:solidFill>
                 <a:srgbClr val="6495ED"/>
@@ -6173,7 +6366,7 @@
           <p:cNvPr id="5" name="Rettangolo con angoli arrotondati 4">
             <a:extLst>
               <a:ext uri="{FF2B5EF4-FFF2-40B4-BE49-F238E27FC236}">
-                <a16:creationId xmlns:a16="http://schemas.microsoft.com/office/drawing/2014/main" id="{09C9B93C-54EF-B872-1FB8-AB8D81A013F3}"/>
+                <a16:creationId xmlns:a16="http://schemas.microsoft.com/office/drawing/2014/main" id="{C9E46003-BFDC-5840-8CA4-2FAF18EF7E15}"/>
               </a:ext>
             </a:extLst>
           </p:cNvPr>
@@ -6225,7 +6418,7 @@
                 </a:solidFill>
                 <a:latin typeface="Audiowide" panose="02000503000000020004" pitchFamily="2" charset="0"/>
               </a:rPr>
-              <a:t>LOGIN SYSTEM</a:t>
+              <a:t>PROJECTUAL PHILOSOPHY</a:t>
             </a:r>
           </a:p>
         </p:txBody>
@@ -6235,7 +6428,7 @@
           <p:cNvPr id="7" name="Rettangolo con angoli arrotondati 6">
             <a:extLst>
               <a:ext uri="{FF2B5EF4-FFF2-40B4-BE49-F238E27FC236}">
-                <a16:creationId xmlns:a16="http://schemas.microsoft.com/office/drawing/2014/main" id="{FD755C2E-D70C-4E57-E683-58B3430A34D3}"/>
+                <a16:creationId xmlns:a16="http://schemas.microsoft.com/office/drawing/2014/main" id="{00859595-E0EE-B793-96BC-D6DCA2DABB95}"/>
               </a:ext>
             </a:extLst>
           </p:cNvPr>
@@ -6280,6 +6473,30 @@
           <a:lstStyle/>
           <a:p>
             <a:pPr algn="ctr"/>
+            <a:r>
+              <a:rPr lang="it-IT" sz="2800" dirty="0">
+                <a:solidFill>
+                  <a:srgbClr val="6495ED"/>
+                </a:solidFill>
+                <a:latin typeface="Audiowide" panose="02000503000000020004" pitchFamily="2" charset="0"/>
+              </a:rPr>
+              <a:t>«NON FUNZIONA NIENTE»</a:t>
+            </a:r>
+          </a:p>
+          <a:p>
+            <a:pPr algn="ctr"/>
+            <a:r>
+              <a:rPr lang="it-IT" sz="1400" dirty="0">
+                <a:solidFill>
+                  <a:srgbClr val="6495ED"/>
+                </a:solidFill>
+                <a:latin typeface="Audiowide" panose="02000503000000020004" pitchFamily="2" charset="0"/>
+              </a:rPr>
+              <a:t>-Marco Porcella</a:t>
+            </a:r>
+          </a:p>
+          <a:p>
+            <a:pPr algn="ctr"/>
             <a:endParaRPr lang="it-IT" sz="1400" dirty="0">
               <a:solidFill>
                 <a:srgbClr val="6495ED"/>
@@ -6287,638 +6504,102 @@
               <a:latin typeface="Audiowide" panose="02000503000000020004" pitchFamily="2" charset="0"/>
             </a:endParaRPr>
           </a:p>
+          <a:p>
+            <a:pPr algn="ctr"/>
+            <a:r>
+              <a:rPr lang="it-IT" sz="2800" dirty="0">
+                <a:solidFill>
+                  <a:srgbClr val="6495ED"/>
+                </a:solidFill>
+                <a:latin typeface="Audiowide" panose="02000503000000020004" pitchFamily="2" charset="0"/>
+              </a:rPr>
+              <a:t>«MA COME SI FA?»</a:t>
+            </a:r>
+          </a:p>
+          <a:p>
+            <a:pPr algn="ctr"/>
+            <a:r>
+              <a:rPr lang="it-IT" sz="1400" dirty="0">
+                <a:solidFill>
+                  <a:srgbClr val="6495ED"/>
+                </a:solidFill>
+                <a:latin typeface="Audiowide" panose="02000503000000020004" pitchFamily="2" charset="0"/>
+              </a:rPr>
+              <a:t>-Andrea Crisafulli</a:t>
+            </a:r>
+          </a:p>
+          <a:p>
+            <a:pPr algn="ctr"/>
+            <a:endParaRPr lang="it-IT" sz="1400" dirty="0">
+              <a:solidFill>
+                <a:srgbClr val="6495ED"/>
+              </a:solidFill>
+              <a:latin typeface="Audiowide" panose="02000503000000020004" pitchFamily="2" charset="0"/>
+            </a:endParaRPr>
+          </a:p>
+          <a:p>
+            <a:pPr algn="ctr"/>
+            <a:r>
+              <a:rPr lang="it-IT" sz="2800" dirty="0">
+                <a:solidFill>
+                  <a:srgbClr val="6495ED"/>
+                </a:solidFill>
+                <a:latin typeface="Audiowide" panose="02000503000000020004" pitchFamily="2" charset="0"/>
+              </a:rPr>
+              <a:t>«CHIEDIAMO A CHAT GPT.»</a:t>
+            </a:r>
+          </a:p>
+          <a:p>
+            <a:pPr algn="ctr"/>
+            <a:r>
+              <a:rPr lang="it-IT" sz="1400" dirty="0">
+                <a:solidFill>
+                  <a:srgbClr val="6495ED"/>
+                </a:solidFill>
+                <a:latin typeface="Audiowide" panose="02000503000000020004" pitchFamily="2" charset="0"/>
+              </a:rPr>
+              <a:t>-Filippo Longhi</a:t>
+            </a:r>
+          </a:p>
+          <a:p>
+            <a:pPr algn="ctr"/>
+            <a:endParaRPr lang="it-IT" sz="1400" dirty="0">
+              <a:solidFill>
+                <a:srgbClr val="6495ED"/>
+              </a:solidFill>
+              <a:latin typeface="Audiowide" panose="02000503000000020004" pitchFamily="2" charset="0"/>
+            </a:endParaRPr>
+          </a:p>
+          <a:p>
+            <a:pPr algn="ctr"/>
+            <a:r>
+              <a:rPr lang="it-IT" sz="2800" dirty="0">
+                <a:solidFill>
+                  <a:srgbClr val="6495ED"/>
+                </a:solidFill>
+                <a:latin typeface="Audiowide" panose="02000503000000020004" pitchFamily="2" charset="0"/>
+              </a:rPr>
+              <a:t>«CAMBIAMO IL COLORE DELLO SFONDO»</a:t>
+            </a:r>
+          </a:p>
+          <a:p>
+            <a:pPr algn="ctr"/>
+            <a:r>
+              <a:rPr lang="it-IT" sz="1400" dirty="0">
+                <a:solidFill>
+                  <a:srgbClr val="6495ED"/>
+                </a:solidFill>
+                <a:latin typeface="Audiowide" panose="02000503000000020004" pitchFamily="2" charset="0"/>
+              </a:rPr>
+              <a:t>-Giacomo De Toni</a:t>
+            </a:r>
+          </a:p>
         </p:txBody>
       </p:sp>
-      <p:grpSp>
-        <p:nvGrpSpPr>
-          <p:cNvPr id="2" name="Gruppo 1">
-            <a:extLst>
-              <a:ext uri="{FF2B5EF4-FFF2-40B4-BE49-F238E27FC236}">
-                <a16:creationId xmlns:a16="http://schemas.microsoft.com/office/drawing/2014/main" id="{0DEAE07C-FEE9-CEC1-AEE7-359255F44BAA}"/>
-              </a:ext>
-            </a:extLst>
-          </p:cNvPr>
-          <p:cNvGrpSpPr/>
-          <p:nvPr/>
-        </p:nvGrpSpPr>
-        <p:grpSpPr>
-          <a:xfrm>
-            <a:off x="1650245" y="3028489"/>
-            <a:ext cx="8909982" cy="2145884"/>
-            <a:chOff x="2130458" y="3285283"/>
-            <a:chExt cx="8909982" cy="2145884"/>
-          </a:xfrm>
-        </p:grpSpPr>
-        <p:grpSp>
-          <p:nvGrpSpPr>
-            <p:cNvPr id="3" name="Gruppo 2">
-              <a:extLst>
-                <a:ext uri="{FF2B5EF4-FFF2-40B4-BE49-F238E27FC236}">
-                  <a16:creationId xmlns:a16="http://schemas.microsoft.com/office/drawing/2014/main" id="{BAF559DB-F86C-11EB-BC97-984B54E5F8FB}"/>
-                </a:ext>
-              </a:extLst>
-            </p:cNvPr>
-            <p:cNvGrpSpPr/>
-            <p:nvPr/>
-          </p:nvGrpSpPr>
-          <p:grpSpPr>
-            <a:xfrm>
-              <a:off x="2130458" y="3285283"/>
-              <a:ext cx="1803958" cy="2141639"/>
-              <a:chOff x="1837089" y="3271787"/>
-              <a:chExt cx="1803958" cy="2141639"/>
-            </a:xfrm>
-          </p:grpSpPr>
-          <p:sp>
-            <p:nvSpPr>
-              <p:cNvPr id="15" name="Ovale 14">
-                <a:extLst>
-                  <a:ext uri="{FF2B5EF4-FFF2-40B4-BE49-F238E27FC236}">
-                    <a16:creationId xmlns:a16="http://schemas.microsoft.com/office/drawing/2014/main" id="{D7437757-3F44-48FE-5083-292E879FEE8B}"/>
-                  </a:ext>
-                </a:extLst>
-              </p:cNvPr>
-              <p:cNvSpPr/>
-              <p:nvPr/>
-            </p:nvSpPr>
-            <p:spPr>
-              <a:xfrm>
-                <a:off x="1893068" y="3271787"/>
-                <a:ext cx="1692000" cy="1692000"/>
-              </a:xfrm>
-              <a:prstGeom prst="ellipse">
-                <a:avLst/>
-              </a:prstGeom>
-              <a:noFill/>
-              <a:ln w="38100">
-                <a:solidFill>
-                  <a:srgbClr val="FFA500"/>
-                </a:solidFill>
-              </a:ln>
-            </p:spPr>
-            <p:style>
-              <a:lnRef idx="2">
-                <a:schemeClr val="accent1">
-                  <a:shade val="15000"/>
-                </a:schemeClr>
-              </a:lnRef>
-              <a:fillRef idx="1">
-                <a:schemeClr val="accent1"/>
-              </a:fillRef>
-              <a:effectRef idx="0">
-                <a:schemeClr val="accent1"/>
-              </a:effectRef>
-              <a:fontRef idx="minor">
-                <a:schemeClr val="lt1"/>
-              </a:fontRef>
-            </p:style>
-            <p:txBody>
-              <a:bodyPr rtlCol="0" anchor="ctr"/>
-              <a:lstStyle/>
-              <a:p>
-                <a:pPr algn="ctr"/>
-                <a:endParaRPr lang="it-IT" dirty="0"/>
-              </a:p>
-            </p:txBody>
-          </p:sp>
-          <p:sp>
-            <p:nvSpPr>
-              <p:cNvPr id="16" name="Rettangolo con angoli arrotondati 15">
-                <a:extLst>
-                  <a:ext uri="{FF2B5EF4-FFF2-40B4-BE49-F238E27FC236}">
-                    <a16:creationId xmlns:a16="http://schemas.microsoft.com/office/drawing/2014/main" id="{20B5C2C4-F7EF-166B-79EE-286EC8B5EDE1}"/>
-                  </a:ext>
-                </a:extLst>
-              </p:cNvPr>
-              <p:cNvSpPr/>
-              <p:nvPr/>
-            </p:nvSpPr>
-            <p:spPr>
-              <a:xfrm>
-                <a:off x="1837089" y="4959370"/>
-                <a:ext cx="1803958" cy="454056"/>
-              </a:xfrm>
-              <a:prstGeom prst="roundRect">
-                <a:avLst>
-                  <a:gd name="adj" fmla="val 7658"/>
-                </a:avLst>
-              </a:prstGeom>
-              <a:noFill/>
-              <a:ln w="38100">
-                <a:solidFill>
-                  <a:srgbClr val="FFA500"/>
-                </a:solidFill>
-              </a:ln>
-            </p:spPr>
-            <p:style>
-              <a:lnRef idx="2">
-                <a:schemeClr val="accent1">
-                  <a:shade val="15000"/>
-                </a:schemeClr>
-              </a:lnRef>
-              <a:fillRef idx="1">
-                <a:schemeClr val="accent1"/>
-              </a:fillRef>
-              <a:effectRef idx="0">
-                <a:schemeClr val="accent1"/>
-              </a:effectRef>
-              <a:fontRef idx="minor">
-                <a:schemeClr val="lt1"/>
-              </a:fontRef>
-            </p:style>
-            <p:txBody>
-              <a:bodyPr rtlCol="0" anchor="ctr"/>
-              <a:lstStyle/>
-              <a:p>
-                <a:pPr algn="ctr"/>
-                <a:r>
-                  <a:rPr lang="it-IT" sz="1200" dirty="0">
-                    <a:solidFill>
-                      <a:srgbClr val="6495ED"/>
-                    </a:solidFill>
-                    <a:latin typeface="Audiowide" panose="02000503000000020004" pitchFamily="2" charset="0"/>
-                  </a:rPr>
-                  <a:t>AWAIT USER SIGNIN FUNCTION</a:t>
-                </a:r>
-              </a:p>
-            </p:txBody>
-          </p:sp>
-        </p:grpSp>
-        <p:grpSp>
-          <p:nvGrpSpPr>
-            <p:cNvPr id="6" name="Gruppo 5">
-              <a:extLst>
-                <a:ext uri="{FF2B5EF4-FFF2-40B4-BE49-F238E27FC236}">
-                  <a16:creationId xmlns:a16="http://schemas.microsoft.com/office/drawing/2014/main" id="{B425A82E-8D91-5C43-72DF-379CB8C3138A}"/>
-                </a:ext>
-              </a:extLst>
-            </p:cNvPr>
-            <p:cNvGrpSpPr/>
-            <p:nvPr/>
-          </p:nvGrpSpPr>
-          <p:grpSpPr>
-            <a:xfrm>
-              <a:off x="5731612" y="3287978"/>
-              <a:ext cx="1803958" cy="2141639"/>
-              <a:chOff x="1665950" y="3274482"/>
-              <a:chExt cx="1803958" cy="2141639"/>
-            </a:xfrm>
-          </p:grpSpPr>
-          <p:sp>
-            <p:nvSpPr>
-              <p:cNvPr id="13" name="Ovale 12">
-                <a:extLst>
-                  <a:ext uri="{FF2B5EF4-FFF2-40B4-BE49-F238E27FC236}">
-                    <a16:creationId xmlns:a16="http://schemas.microsoft.com/office/drawing/2014/main" id="{3EDBA39F-80AB-CCEC-9BCB-38B13A95BC32}"/>
-                  </a:ext>
-                </a:extLst>
-              </p:cNvPr>
-              <p:cNvSpPr/>
-              <p:nvPr/>
-            </p:nvSpPr>
-            <p:spPr>
-              <a:xfrm>
-                <a:off x="1721929" y="3274482"/>
-                <a:ext cx="1692000" cy="1692000"/>
-              </a:xfrm>
-              <a:prstGeom prst="ellipse">
-                <a:avLst/>
-              </a:prstGeom>
-              <a:noFill/>
-              <a:ln w="38100">
-                <a:solidFill>
-                  <a:srgbClr val="FFA500"/>
-                </a:solidFill>
-              </a:ln>
-            </p:spPr>
-            <p:style>
-              <a:lnRef idx="2">
-                <a:schemeClr val="accent1">
-                  <a:shade val="15000"/>
-                </a:schemeClr>
-              </a:lnRef>
-              <a:fillRef idx="1">
-                <a:schemeClr val="accent1"/>
-              </a:fillRef>
-              <a:effectRef idx="0">
-                <a:schemeClr val="accent1"/>
-              </a:effectRef>
-              <a:fontRef idx="minor">
-                <a:schemeClr val="lt1"/>
-              </a:fontRef>
-            </p:style>
-            <p:txBody>
-              <a:bodyPr rtlCol="0" anchor="ctr"/>
-              <a:lstStyle/>
-              <a:p>
-                <a:pPr algn="ctr"/>
-                <a:endParaRPr lang="it-IT" dirty="0"/>
-              </a:p>
-            </p:txBody>
-          </p:sp>
-          <p:sp>
-            <p:nvSpPr>
-              <p:cNvPr id="14" name="Rettangolo con angoli arrotondati 13">
-                <a:extLst>
-                  <a:ext uri="{FF2B5EF4-FFF2-40B4-BE49-F238E27FC236}">
-                    <a16:creationId xmlns:a16="http://schemas.microsoft.com/office/drawing/2014/main" id="{662A3734-377F-C867-9BD4-7D1CAAE8BFC1}"/>
-                  </a:ext>
-                </a:extLst>
-              </p:cNvPr>
-              <p:cNvSpPr/>
-              <p:nvPr/>
-            </p:nvSpPr>
-            <p:spPr>
-              <a:xfrm>
-                <a:off x="1665950" y="4962065"/>
-                <a:ext cx="1803958" cy="454056"/>
-              </a:xfrm>
-              <a:prstGeom prst="roundRect">
-                <a:avLst>
-                  <a:gd name="adj" fmla="val 7658"/>
-                </a:avLst>
-              </a:prstGeom>
-              <a:noFill/>
-              <a:ln w="38100">
-                <a:solidFill>
-                  <a:srgbClr val="FFA500"/>
-                </a:solidFill>
-              </a:ln>
-            </p:spPr>
-            <p:style>
-              <a:lnRef idx="2">
-                <a:schemeClr val="accent1">
-                  <a:shade val="15000"/>
-                </a:schemeClr>
-              </a:lnRef>
-              <a:fillRef idx="1">
-                <a:schemeClr val="accent1"/>
-              </a:fillRef>
-              <a:effectRef idx="0">
-                <a:schemeClr val="accent1"/>
-              </a:effectRef>
-              <a:fontRef idx="minor">
-                <a:schemeClr val="lt1"/>
-              </a:fontRef>
-            </p:style>
-            <p:txBody>
-              <a:bodyPr rtlCol="0" anchor="ctr"/>
-              <a:lstStyle/>
-              <a:p>
-                <a:pPr algn="ctr"/>
-                <a:r>
-                  <a:rPr lang="it-IT" sz="1200" dirty="0">
-                    <a:solidFill>
-                      <a:srgbClr val="6495ED"/>
-                    </a:solidFill>
-                    <a:latin typeface="Audiowide" panose="02000503000000020004" pitchFamily="2" charset="0"/>
-                  </a:rPr>
-                  <a:t>DATABASE CREATES USER</a:t>
-                </a:r>
-              </a:p>
-            </p:txBody>
-          </p:sp>
-        </p:grpSp>
-        <p:grpSp>
-          <p:nvGrpSpPr>
-            <p:cNvPr id="8" name="Gruppo 7">
-              <a:extLst>
-                <a:ext uri="{FF2B5EF4-FFF2-40B4-BE49-F238E27FC236}">
-                  <a16:creationId xmlns:a16="http://schemas.microsoft.com/office/drawing/2014/main" id="{9C507AD7-CBF2-8912-43CA-9CBC5703D18D}"/>
-                </a:ext>
-              </a:extLst>
-            </p:cNvPr>
-            <p:cNvGrpSpPr/>
-            <p:nvPr/>
-          </p:nvGrpSpPr>
-          <p:grpSpPr>
-            <a:xfrm>
-              <a:off x="9236482" y="3289528"/>
-              <a:ext cx="1803958" cy="2141639"/>
-              <a:chOff x="1342548" y="3276032"/>
-              <a:chExt cx="1803958" cy="2141639"/>
-            </a:xfrm>
-          </p:grpSpPr>
-          <p:sp>
-            <p:nvSpPr>
-              <p:cNvPr id="11" name="Ovale 10">
-                <a:extLst>
-                  <a:ext uri="{FF2B5EF4-FFF2-40B4-BE49-F238E27FC236}">
-                    <a16:creationId xmlns:a16="http://schemas.microsoft.com/office/drawing/2014/main" id="{D255FE93-0DDF-E706-88A6-2579A6434D94}"/>
-                  </a:ext>
-                </a:extLst>
-              </p:cNvPr>
-              <p:cNvSpPr/>
-              <p:nvPr/>
-            </p:nvSpPr>
-            <p:spPr>
-              <a:xfrm>
-                <a:off x="1398527" y="3276032"/>
-                <a:ext cx="1692000" cy="1692000"/>
-              </a:xfrm>
-              <a:prstGeom prst="ellipse">
-                <a:avLst/>
-              </a:prstGeom>
-              <a:noFill/>
-              <a:ln w="38100">
-                <a:solidFill>
-                  <a:srgbClr val="FFA500"/>
-                </a:solidFill>
-              </a:ln>
-            </p:spPr>
-            <p:style>
-              <a:lnRef idx="2">
-                <a:schemeClr val="accent1">
-                  <a:shade val="15000"/>
-                </a:schemeClr>
-              </a:lnRef>
-              <a:fillRef idx="1">
-                <a:schemeClr val="accent1"/>
-              </a:fillRef>
-              <a:effectRef idx="0">
-                <a:schemeClr val="accent1"/>
-              </a:effectRef>
-              <a:fontRef idx="minor">
-                <a:schemeClr val="lt1"/>
-              </a:fontRef>
-            </p:style>
-            <p:txBody>
-              <a:bodyPr rtlCol="0" anchor="ctr"/>
-              <a:lstStyle/>
-              <a:p>
-                <a:pPr algn="ctr"/>
-                <a:endParaRPr lang="it-IT" dirty="0"/>
-              </a:p>
-            </p:txBody>
-          </p:sp>
-          <p:sp>
-            <p:nvSpPr>
-              <p:cNvPr id="12" name="Rettangolo con angoli arrotondati 11">
-                <a:extLst>
-                  <a:ext uri="{FF2B5EF4-FFF2-40B4-BE49-F238E27FC236}">
-                    <a16:creationId xmlns:a16="http://schemas.microsoft.com/office/drawing/2014/main" id="{7C8BA21C-5072-D95F-C6FA-B3FEB43FD64B}"/>
-                  </a:ext>
-                </a:extLst>
-              </p:cNvPr>
-              <p:cNvSpPr/>
-              <p:nvPr/>
-            </p:nvSpPr>
-            <p:spPr>
-              <a:xfrm>
-                <a:off x="1342548" y="4963615"/>
-                <a:ext cx="1803958" cy="454056"/>
-              </a:xfrm>
-              <a:prstGeom prst="roundRect">
-                <a:avLst>
-                  <a:gd name="adj" fmla="val 7658"/>
-                </a:avLst>
-              </a:prstGeom>
-              <a:noFill/>
-              <a:ln w="38100">
-                <a:solidFill>
-                  <a:srgbClr val="FFA500"/>
-                </a:solidFill>
-              </a:ln>
-            </p:spPr>
-            <p:style>
-              <a:lnRef idx="2">
-                <a:schemeClr val="accent1">
-                  <a:shade val="15000"/>
-                </a:schemeClr>
-              </a:lnRef>
-              <a:fillRef idx="1">
-                <a:schemeClr val="accent1"/>
-              </a:fillRef>
-              <a:effectRef idx="0">
-                <a:schemeClr val="accent1"/>
-              </a:effectRef>
-              <a:fontRef idx="minor">
-                <a:schemeClr val="lt1"/>
-              </a:fontRef>
-            </p:style>
-            <p:txBody>
-              <a:bodyPr rtlCol="0" anchor="ctr"/>
-              <a:lstStyle/>
-              <a:p>
-                <a:pPr algn="ctr"/>
-                <a:r>
-                  <a:rPr lang="it-IT" sz="1200" dirty="0">
-                    <a:solidFill>
-                      <a:srgbClr val="6495ED"/>
-                    </a:solidFill>
-                    <a:latin typeface="Audiowide" panose="02000503000000020004" pitchFamily="2" charset="0"/>
-                  </a:rPr>
-                  <a:t>CLIENT GETS AND SAVES HIS DATA</a:t>
-                </a:r>
-              </a:p>
-            </p:txBody>
-          </p:sp>
-        </p:grpSp>
-        <p:cxnSp>
-          <p:nvCxnSpPr>
-            <p:cNvPr id="9" name="Connettore 2 8">
-              <a:extLst>
-                <a:ext uri="{FF2B5EF4-FFF2-40B4-BE49-F238E27FC236}">
-                  <a16:creationId xmlns:a16="http://schemas.microsoft.com/office/drawing/2014/main" id="{51B45933-A2A3-4A59-DB7A-362CB9F7537D}"/>
-                </a:ext>
-              </a:extLst>
-            </p:cNvPr>
-            <p:cNvCxnSpPr>
-              <a:cxnSpLocks/>
-              <a:stCxn id="15" idx="6"/>
-              <a:endCxn id="13" idx="2"/>
-            </p:cNvCxnSpPr>
-            <p:nvPr/>
-          </p:nvCxnSpPr>
-          <p:spPr>
-            <a:xfrm>
-              <a:off x="3878437" y="4131283"/>
-              <a:ext cx="1909154" cy="2695"/>
-            </a:xfrm>
-            <a:prstGeom prst="straightConnector1">
-              <a:avLst/>
-            </a:prstGeom>
-            <a:ln w="38100">
-              <a:solidFill>
-                <a:srgbClr val="FFA500"/>
-              </a:solidFill>
-              <a:tailEnd type="triangle"/>
-            </a:ln>
-          </p:spPr>
-          <p:style>
-            <a:lnRef idx="2">
-              <a:schemeClr val="accent1"/>
-            </a:lnRef>
-            <a:fillRef idx="0">
-              <a:schemeClr val="accent1"/>
-            </a:fillRef>
-            <a:effectRef idx="1">
-              <a:schemeClr val="accent1"/>
-            </a:effectRef>
-            <a:fontRef idx="minor">
-              <a:schemeClr val="tx1"/>
-            </a:fontRef>
-          </p:style>
-        </p:cxnSp>
-        <p:cxnSp>
-          <p:nvCxnSpPr>
-            <p:cNvPr id="10" name="Connettore 2 9">
-              <a:extLst>
-                <a:ext uri="{FF2B5EF4-FFF2-40B4-BE49-F238E27FC236}">
-                  <a16:creationId xmlns:a16="http://schemas.microsoft.com/office/drawing/2014/main" id="{A4828CDB-3F6B-A65C-A10F-B7AFBF4104F5}"/>
-                </a:ext>
-              </a:extLst>
-            </p:cNvPr>
-            <p:cNvCxnSpPr>
-              <a:cxnSpLocks/>
-              <a:stCxn id="13" idx="6"/>
-              <a:endCxn id="11" idx="2"/>
-            </p:cNvCxnSpPr>
-            <p:nvPr/>
-          </p:nvCxnSpPr>
-          <p:spPr>
-            <a:xfrm>
-              <a:off x="7479591" y="4133978"/>
-              <a:ext cx="1812870" cy="1550"/>
-            </a:xfrm>
-            <a:prstGeom prst="straightConnector1">
-              <a:avLst/>
-            </a:prstGeom>
-            <a:ln w="38100">
-              <a:solidFill>
-                <a:srgbClr val="FFA500"/>
-              </a:solidFill>
-              <a:tailEnd type="triangle"/>
-            </a:ln>
-          </p:spPr>
-          <p:style>
-            <a:lnRef idx="2">
-              <a:schemeClr val="accent1"/>
-            </a:lnRef>
-            <a:fillRef idx="0">
-              <a:schemeClr val="accent1"/>
-            </a:fillRef>
-            <a:effectRef idx="1">
-              <a:schemeClr val="accent1"/>
-            </a:effectRef>
-            <a:fontRef idx="minor">
-              <a:schemeClr val="tx1"/>
-            </a:fontRef>
-          </p:style>
-        </p:cxnSp>
-      </p:grpSp>
-      <p:pic>
-        <p:nvPicPr>
-          <p:cNvPr id="18" name="Elemento grafico 17">
-            <a:extLst>
-              <a:ext uri="{FF2B5EF4-FFF2-40B4-BE49-F238E27FC236}">
-                <a16:creationId xmlns:a16="http://schemas.microsoft.com/office/drawing/2014/main" id="{D30CC51D-B6AD-A1F7-F0F5-1E4A8F6DDCA6}"/>
-              </a:ext>
-            </a:extLst>
-          </p:cNvPr>
-          <p:cNvPicPr>
-            <a:picLocks noChangeAspect="1"/>
-          </p:cNvPicPr>
-          <p:nvPr/>
-        </p:nvPicPr>
-        <p:blipFill>
-          <a:blip r:embed="rId3">
-            <a:extLst>
-              <a:ext uri="{96DAC541-7B7A-43D3-8B79-37D633B846F1}">
-                <asvg:svgBlip xmlns:asvg="http://schemas.microsoft.com/office/drawing/2016/SVG/main" r:embed="rId4"/>
-              </a:ext>
-            </a:extLst>
-          </a:blip>
-          <a:stretch>
-            <a:fillRect/>
-          </a:stretch>
-        </p:blipFill>
-        <p:spPr>
-          <a:xfrm>
-            <a:off x="2012224" y="3337064"/>
-            <a:ext cx="1080000" cy="1080000"/>
-          </a:xfrm>
-          <a:prstGeom prst="rect">
-            <a:avLst/>
-          </a:prstGeom>
-        </p:spPr>
-      </p:pic>
-      <p:pic>
-        <p:nvPicPr>
-          <p:cNvPr id="20" name="Elemento grafico 19">
-            <a:extLst>
-              <a:ext uri="{FF2B5EF4-FFF2-40B4-BE49-F238E27FC236}">
-                <a16:creationId xmlns:a16="http://schemas.microsoft.com/office/drawing/2014/main" id="{60A06612-E296-8154-A0AF-4DAAC4636351}"/>
-              </a:ext>
-            </a:extLst>
-          </p:cNvPr>
-          <p:cNvPicPr>
-            <a:picLocks noChangeAspect="1"/>
-          </p:cNvPicPr>
-          <p:nvPr/>
-        </p:nvPicPr>
-        <p:blipFill>
-          <a:blip r:embed="rId5">
-            <a:extLst>
-              <a:ext uri="{96DAC541-7B7A-43D3-8B79-37D633B846F1}">
-                <asvg:svgBlip xmlns:asvg="http://schemas.microsoft.com/office/drawing/2016/SVG/main" r:embed="rId6"/>
-              </a:ext>
-            </a:extLst>
-          </a:blip>
-          <a:stretch>
-            <a:fillRect/>
-          </a:stretch>
-        </p:blipFill>
-        <p:spPr>
-          <a:xfrm>
-            <a:off x="9118248" y="3336526"/>
-            <a:ext cx="1080000" cy="1080000"/>
-          </a:xfrm>
-          <a:prstGeom prst="rect">
-            <a:avLst/>
-          </a:prstGeom>
-        </p:spPr>
-      </p:pic>
-      <p:pic>
-        <p:nvPicPr>
-          <p:cNvPr id="22" name="Elemento grafico 21">
-            <a:extLst>
-              <a:ext uri="{FF2B5EF4-FFF2-40B4-BE49-F238E27FC236}">
-                <a16:creationId xmlns:a16="http://schemas.microsoft.com/office/drawing/2014/main" id="{18F39C14-BC6B-7FE2-C5CA-E9887866C3F1}"/>
-              </a:ext>
-            </a:extLst>
-          </p:cNvPr>
-          <p:cNvPicPr>
-            <a:picLocks noChangeAspect="1"/>
-          </p:cNvPicPr>
-          <p:nvPr/>
-        </p:nvPicPr>
-        <p:blipFill>
-          <a:blip r:embed="rId7">
-            <a:extLst>
-              <a:ext uri="{96DAC541-7B7A-43D3-8B79-37D633B846F1}">
-                <asvg:svgBlip xmlns:asvg="http://schemas.microsoft.com/office/drawing/2016/SVG/main" r:embed="rId8"/>
-              </a:ext>
-            </a:extLst>
-          </a:blip>
-          <a:stretch>
-            <a:fillRect/>
-          </a:stretch>
-        </p:blipFill>
-        <p:spPr>
-          <a:xfrm>
-            <a:off x="5613378" y="3338070"/>
-            <a:ext cx="1080000" cy="1080000"/>
-          </a:xfrm>
-          <a:prstGeom prst="rect">
-            <a:avLst/>
-          </a:prstGeom>
-        </p:spPr>
-      </p:pic>
     </p:spTree>
     <p:extLst>
       <p:ext uri="{BB962C8B-B14F-4D97-AF65-F5344CB8AC3E}">
-        <p14:creationId xmlns:p14="http://schemas.microsoft.com/office/powerpoint/2010/main" val="2890701599"/>
+        <p14:creationId xmlns:p14="http://schemas.microsoft.com/office/powerpoint/2010/main" val="3260121965"/>
       </p:ext>
     </p:extLst>
   </p:cSld>
@@ -6928,415 +6609,7 @@
 </p:sld>
 </file>
 
-<file path=ppt/slides/slide16.xml><?xml version="1.0" encoding="utf-8"?>
-<p:sld xmlns:a="http://schemas.openxmlformats.org/drawingml/2006/main" xmlns:r="http://schemas.openxmlformats.org/officeDocument/2006/relationships" xmlns:p="http://schemas.openxmlformats.org/presentationml/2006/main">
-  <p:cSld>
-    <p:spTree>
-      <p:nvGrpSpPr>
-        <p:cNvPr id="1" name="">
-          <a:extLst>
-            <a:ext uri="{FF2B5EF4-FFF2-40B4-BE49-F238E27FC236}">
-              <a16:creationId xmlns:a16="http://schemas.microsoft.com/office/drawing/2014/main" id="{81C1667F-DE4A-A637-94AE-8D489E25FCDC}"/>
-            </a:ext>
-          </a:extLst>
-        </p:cNvPr>
-        <p:cNvGrpSpPr/>
-        <p:nvPr/>
-      </p:nvGrpSpPr>
-      <p:grpSpPr>
-        <a:xfrm>
-          <a:off x="0" y="0"/>
-          <a:ext cx="0" cy="0"/>
-          <a:chOff x="0" y="0"/>
-          <a:chExt cx="0" cy="0"/>
-        </a:xfrm>
-      </p:grpSpPr>
-      <p:sp>
-        <p:nvSpPr>
-          <p:cNvPr id="4" name="Rettangolo 3">
-            <a:extLst>
-              <a:ext uri="{FF2B5EF4-FFF2-40B4-BE49-F238E27FC236}">
-                <a16:creationId xmlns:a16="http://schemas.microsoft.com/office/drawing/2014/main" id="{F0B99D65-0E9C-BF8C-2461-6E2079677731}"/>
-              </a:ext>
-            </a:extLst>
-          </p:cNvPr>
-          <p:cNvSpPr/>
-          <p:nvPr/>
-        </p:nvSpPr>
-        <p:spPr>
-          <a:xfrm>
-            <a:off x="-1432" y="-9236"/>
-            <a:ext cx="12213336" cy="6858000"/>
-          </a:xfrm>
-          <a:prstGeom prst="rect">
-            <a:avLst/>
-          </a:prstGeom>
-          <a:blipFill dpi="0" rotWithShape="1">
-            <a:blip r:embed="rId2"/>
-            <a:srcRect/>
-            <a:tile tx="0" ty="0" sx="100000" sy="100000" flip="none" algn="tl"/>
-          </a:blipFill>
-        </p:spPr>
-        <p:style>
-          <a:lnRef idx="2">
-            <a:schemeClr val="accent1">
-              <a:shade val="15000"/>
-            </a:schemeClr>
-          </a:lnRef>
-          <a:fillRef idx="1">
-            <a:schemeClr val="accent1"/>
-          </a:fillRef>
-          <a:effectRef idx="0">
-            <a:schemeClr val="accent1"/>
-          </a:effectRef>
-          <a:fontRef idx="minor">
-            <a:schemeClr val="lt1"/>
-          </a:fontRef>
-        </p:style>
-        <p:txBody>
-          <a:bodyPr rtlCol="0" anchor="ctr"/>
-          <a:lstStyle/>
-          <a:p>
-            <a:pPr algn="ctr"/>
-            <a:endParaRPr lang="it-IT" dirty="0">
-              <a:solidFill>
-                <a:srgbClr val="6495ED"/>
-              </a:solidFill>
-              <a:latin typeface="Audiowide" panose="02000503000000020004" pitchFamily="2" charset="0"/>
-            </a:endParaRPr>
-          </a:p>
-        </p:txBody>
-      </p:sp>
-      <p:sp>
-        <p:nvSpPr>
-          <p:cNvPr id="5" name="Rettangolo con angoli arrotondati 4">
-            <a:extLst>
-              <a:ext uri="{FF2B5EF4-FFF2-40B4-BE49-F238E27FC236}">
-                <a16:creationId xmlns:a16="http://schemas.microsoft.com/office/drawing/2014/main" id="{8891DE96-0B2E-9426-72A1-D2B39556D706}"/>
-              </a:ext>
-            </a:extLst>
-          </p:cNvPr>
-          <p:cNvSpPr/>
-          <p:nvPr/>
-        </p:nvSpPr>
-        <p:spPr>
-          <a:xfrm>
-            <a:off x="481584" y="497521"/>
-            <a:ext cx="6601968" cy="1014984"/>
-          </a:xfrm>
-          <a:prstGeom prst="roundRect">
-            <a:avLst>
-              <a:gd name="adj" fmla="val 7658"/>
-            </a:avLst>
-          </a:prstGeom>
-          <a:noFill/>
-          <a:ln w="38100">
-            <a:solidFill>
-              <a:srgbClr val="FFA500"/>
-            </a:solidFill>
-          </a:ln>
-        </p:spPr>
-        <p:style>
-          <a:lnRef idx="2">
-            <a:schemeClr val="accent1">
-              <a:shade val="15000"/>
-            </a:schemeClr>
-          </a:lnRef>
-          <a:fillRef idx="1">
-            <a:schemeClr val="accent1"/>
-          </a:fillRef>
-          <a:effectRef idx="0">
-            <a:schemeClr val="accent1"/>
-          </a:effectRef>
-          <a:fontRef idx="minor">
-            <a:schemeClr val="lt1"/>
-          </a:fontRef>
-        </p:style>
-        <p:txBody>
-          <a:bodyPr rtlCol="0" anchor="ctr"/>
-          <a:lstStyle/>
-          <a:p>
-            <a:pPr algn="ctr"/>
-            <a:r>
-              <a:rPr lang="it-IT" sz="2800" dirty="0">
-                <a:solidFill>
-                  <a:srgbClr val="6495ED"/>
-                </a:solidFill>
-                <a:latin typeface="Audiowide" panose="02000503000000020004" pitchFamily="2" charset="0"/>
-              </a:rPr>
-              <a:t>THE TEAM</a:t>
-            </a:r>
-          </a:p>
-        </p:txBody>
-      </p:sp>
-      <p:sp>
-        <p:nvSpPr>
-          <p:cNvPr id="39" name="Rettangolo con angoli arrotondati 38">
-            <a:extLst>
-              <a:ext uri="{FF2B5EF4-FFF2-40B4-BE49-F238E27FC236}">
-                <a16:creationId xmlns:a16="http://schemas.microsoft.com/office/drawing/2014/main" id="{516EC7C7-7F07-0B77-034E-F8C7AAD1A69A}"/>
-              </a:ext>
-            </a:extLst>
-          </p:cNvPr>
-          <p:cNvSpPr/>
-          <p:nvPr/>
-        </p:nvSpPr>
-        <p:spPr>
-          <a:xfrm>
-            <a:off x="484632" y="1765488"/>
-            <a:ext cx="11222736" cy="4671887"/>
-          </a:xfrm>
-          <a:prstGeom prst="roundRect">
-            <a:avLst>
-              <a:gd name="adj" fmla="val 1395"/>
-            </a:avLst>
-          </a:prstGeom>
-          <a:noFill/>
-          <a:ln w="38100">
-            <a:solidFill>
-              <a:srgbClr val="FFA500"/>
-            </a:solidFill>
-          </a:ln>
-        </p:spPr>
-        <p:style>
-          <a:lnRef idx="2">
-            <a:schemeClr val="accent1">
-              <a:shade val="15000"/>
-            </a:schemeClr>
-          </a:lnRef>
-          <a:fillRef idx="1">
-            <a:schemeClr val="accent1"/>
-          </a:fillRef>
-          <a:effectRef idx="0">
-            <a:schemeClr val="accent1"/>
-          </a:effectRef>
-          <a:fontRef idx="minor">
-            <a:schemeClr val="lt1"/>
-          </a:fontRef>
-        </p:style>
-        <p:txBody>
-          <a:bodyPr rtlCol="0" anchor="ctr"/>
-          <a:lstStyle/>
-          <a:p>
-            <a:pPr algn="ctr"/>
-            <a:endParaRPr lang="it-IT" sz="1400" dirty="0">
-              <a:solidFill>
-                <a:srgbClr val="6495ED"/>
-              </a:solidFill>
-              <a:latin typeface="Audiowide" panose="02000503000000020004" pitchFamily="2" charset="0"/>
-            </a:endParaRPr>
-          </a:p>
-        </p:txBody>
-      </p:sp>
-    </p:spTree>
-    <p:extLst>
-      <p:ext uri="{BB962C8B-B14F-4D97-AF65-F5344CB8AC3E}">
-        <p14:creationId xmlns:p14="http://schemas.microsoft.com/office/powerpoint/2010/main" val="4094795006"/>
-      </p:ext>
-    </p:extLst>
-  </p:cSld>
-  <p:clrMapOvr>
-    <a:masterClrMapping/>
-  </p:clrMapOvr>
-</p:sld>
-</file>
-
-<file path=ppt/slides/slide17.xml><?xml version="1.0" encoding="utf-8"?>
-<p:sld xmlns:a="http://schemas.openxmlformats.org/drawingml/2006/main" xmlns:r="http://schemas.openxmlformats.org/officeDocument/2006/relationships" xmlns:p="http://schemas.openxmlformats.org/presentationml/2006/main">
-  <p:cSld>
-    <p:spTree>
-      <p:nvGrpSpPr>
-        <p:cNvPr id="1" name="">
-          <a:extLst>
-            <a:ext uri="{FF2B5EF4-FFF2-40B4-BE49-F238E27FC236}">
-              <a16:creationId xmlns:a16="http://schemas.microsoft.com/office/drawing/2014/main" id="{54098F1D-FB1A-BD90-29DA-A023291E8A38}"/>
-            </a:ext>
-          </a:extLst>
-        </p:cNvPr>
-        <p:cNvGrpSpPr/>
-        <p:nvPr/>
-      </p:nvGrpSpPr>
-      <p:grpSpPr>
-        <a:xfrm>
-          <a:off x="0" y="0"/>
-          <a:ext cx="0" cy="0"/>
-          <a:chOff x="0" y="0"/>
-          <a:chExt cx="0" cy="0"/>
-        </a:xfrm>
-      </p:grpSpPr>
-      <p:sp>
-        <p:nvSpPr>
-          <p:cNvPr id="4" name="Rettangolo 3">
-            <a:extLst>
-              <a:ext uri="{FF2B5EF4-FFF2-40B4-BE49-F238E27FC236}">
-                <a16:creationId xmlns:a16="http://schemas.microsoft.com/office/drawing/2014/main" id="{97BAE324-DCFF-3182-51EE-23182437160C}"/>
-              </a:ext>
-            </a:extLst>
-          </p:cNvPr>
-          <p:cNvSpPr/>
-          <p:nvPr/>
-        </p:nvSpPr>
-        <p:spPr>
-          <a:xfrm>
-            <a:off x="-21336" y="0"/>
-            <a:ext cx="12213336" cy="6858000"/>
-          </a:xfrm>
-          <a:prstGeom prst="rect">
-            <a:avLst/>
-          </a:prstGeom>
-          <a:blipFill dpi="0" rotWithShape="1">
-            <a:blip r:embed="rId2"/>
-            <a:srcRect/>
-            <a:tile tx="0" ty="0" sx="100000" sy="100000" flip="none" algn="tl"/>
-          </a:blipFill>
-        </p:spPr>
-        <p:style>
-          <a:lnRef idx="2">
-            <a:schemeClr val="accent1">
-              <a:shade val="15000"/>
-            </a:schemeClr>
-          </a:lnRef>
-          <a:fillRef idx="1">
-            <a:schemeClr val="accent1"/>
-          </a:fillRef>
-          <a:effectRef idx="0">
-            <a:schemeClr val="accent1"/>
-          </a:effectRef>
-          <a:fontRef idx="minor">
-            <a:schemeClr val="lt1"/>
-          </a:fontRef>
-        </p:style>
-        <p:txBody>
-          <a:bodyPr rtlCol="0" anchor="ctr"/>
-          <a:lstStyle/>
-          <a:p>
-            <a:pPr algn="ctr"/>
-            <a:endParaRPr lang="it-IT" dirty="0"/>
-          </a:p>
-        </p:txBody>
-      </p:sp>
-      <p:sp>
-        <p:nvSpPr>
-          <p:cNvPr id="2" name="Titolo 1">
-            <a:extLst>
-              <a:ext uri="{FF2B5EF4-FFF2-40B4-BE49-F238E27FC236}">
-                <a16:creationId xmlns:a16="http://schemas.microsoft.com/office/drawing/2014/main" id="{06F72E72-CDB8-D12F-CCF1-1876C51891A1}"/>
-              </a:ext>
-            </a:extLst>
-          </p:cNvPr>
-          <p:cNvSpPr>
-            <a:spLocks noGrp="1"/>
-          </p:cNvSpPr>
-          <p:nvPr>
-            <p:ph type="ctrTitle"/>
-          </p:nvPr>
-        </p:nvSpPr>
-        <p:spPr>
-          <a:xfrm>
-            <a:off x="428244" y="883223"/>
-            <a:ext cx="11314176" cy="3038855"/>
-          </a:xfrm>
-        </p:spPr>
-        <p:txBody>
-          <a:bodyPr>
-            <a:normAutofit/>
-          </a:bodyPr>
-          <a:lstStyle/>
-          <a:p>
-            <a:r>
-              <a:rPr lang="it-IT" sz="13800" dirty="0" err="1">
-                <a:solidFill>
-                  <a:srgbClr val="6495ED"/>
-                </a:solidFill>
-                <a:latin typeface="Slackey" panose="02000000000000000000" pitchFamily="2" charset="0"/>
-              </a:rPr>
-              <a:t>MusicMind</a:t>
-            </a:r>
-            <a:endParaRPr lang="it-IT" sz="13800" dirty="0">
-              <a:solidFill>
-                <a:srgbClr val="6495ED"/>
-              </a:solidFill>
-              <a:latin typeface="Slackey" panose="02000000000000000000" pitchFamily="2" charset="0"/>
-            </a:endParaRPr>
-          </a:p>
-        </p:txBody>
-      </p:sp>
-      <p:sp>
-        <p:nvSpPr>
-          <p:cNvPr id="5" name="Rettangolo con angoli arrotondati 4">
-            <a:extLst>
-              <a:ext uri="{FF2B5EF4-FFF2-40B4-BE49-F238E27FC236}">
-                <a16:creationId xmlns:a16="http://schemas.microsoft.com/office/drawing/2014/main" id="{32163FC0-FF9B-4726-21E1-7B10169A8B8E}"/>
-              </a:ext>
-            </a:extLst>
-          </p:cNvPr>
-          <p:cNvSpPr/>
-          <p:nvPr/>
-        </p:nvSpPr>
-        <p:spPr>
-          <a:xfrm>
-            <a:off x="2795016" y="4392865"/>
-            <a:ext cx="6601968" cy="1014984"/>
-          </a:xfrm>
-          <a:prstGeom prst="roundRect">
-            <a:avLst>
-              <a:gd name="adj" fmla="val 7658"/>
-            </a:avLst>
-          </a:prstGeom>
-          <a:noFill/>
-          <a:ln w="38100">
-            <a:solidFill>
-              <a:srgbClr val="FFA500"/>
-            </a:solidFill>
-          </a:ln>
-        </p:spPr>
-        <p:style>
-          <a:lnRef idx="2">
-            <a:schemeClr val="accent1">
-              <a:shade val="15000"/>
-            </a:schemeClr>
-          </a:lnRef>
-          <a:fillRef idx="1">
-            <a:schemeClr val="accent1"/>
-          </a:fillRef>
-          <a:effectRef idx="0">
-            <a:schemeClr val="accent1"/>
-          </a:effectRef>
-          <a:fontRef idx="minor">
-            <a:schemeClr val="lt1"/>
-          </a:fontRef>
-        </p:style>
-        <p:txBody>
-          <a:bodyPr rtlCol="0" anchor="ctr"/>
-          <a:lstStyle/>
-          <a:p>
-            <a:pPr algn="ctr"/>
-            <a:r>
-              <a:rPr lang="it-IT" sz="2800" dirty="0">
-                <a:solidFill>
-                  <a:srgbClr val="6495ED"/>
-                </a:solidFill>
-                <a:latin typeface="Audiowide" panose="02000503000000020004" pitchFamily="2" charset="0"/>
-              </a:rPr>
-              <a:t>THANKS FOR THE ATTENTION</a:t>
-            </a:r>
-          </a:p>
-        </p:txBody>
-      </p:sp>
-    </p:spTree>
-    <p:extLst>
-      <p:ext uri="{BB962C8B-B14F-4D97-AF65-F5344CB8AC3E}">
-        <p14:creationId xmlns:p14="http://schemas.microsoft.com/office/powerpoint/2010/main" val="2473321203"/>
-      </p:ext>
-    </p:extLst>
-  </p:cSld>
-  <p:clrMapOvr>
-    <a:masterClrMapping/>
-  </p:clrMapOvr>
-</p:sld>
-</file>
-
-<file path=ppt/slides/slide2.xml><?xml version="1.0" encoding="utf-8"?>
+<file path=ppt/slides/slide3.xml><?xml version="1.0" encoding="utf-8"?>
 <p:sld xmlns:a="http://schemas.openxmlformats.org/drawingml/2006/main" xmlns:r="http://schemas.openxmlformats.org/officeDocument/2006/relationships" xmlns:p="http://schemas.openxmlformats.org/presentationml/2006/main">
   <p:cSld>
     <p:spTree>
@@ -7973,7 +7246,7 @@
 </p:sld>
 </file>
 
-<file path=ppt/slides/slide3.xml><?xml version="1.0" encoding="utf-8"?>
+<file path=ppt/slides/slide4.xml><?xml version="1.0" encoding="utf-8"?>
 <p:sld xmlns:a="http://schemas.openxmlformats.org/drawingml/2006/main" xmlns:r="http://schemas.openxmlformats.org/officeDocument/2006/relationships" xmlns:p="http://schemas.openxmlformats.org/presentationml/2006/main">
   <p:cSld>
     <p:spTree>
@@ -8775,7 +8048,7 @@
 </p:sld>
 </file>
 
-<file path=ppt/slides/slide4.xml><?xml version="1.0" encoding="utf-8"?>
+<file path=ppt/slides/slide5.xml><?xml version="1.0" encoding="utf-8"?>
 <p:sld xmlns:a="http://schemas.openxmlformats.org/drawingml/2006/main" xmlns:r="http://schemas.openxmlformats.org/officeDocument/2006/relationships" xmlns:p="http://schemas.openxmlformats.org/presentationml/2006/main">
   <p:cSld>
     <p:spTree>
@@ -9730,7 +9003,7 @@
 </p:sld>
 </file>
 
-<file path=ppt/slides/slide5.xml><?xml version="1.0" encoding="utf-8"?>
+<file path=ppt/slides/slide6.xml><?xml version="1.0" encoding="utf-8"?>
 <p:sld xmlns:a="http://schemas.openxmlformats.org/drawingml/2006/main" xmlns:r="http://schemas.openxmlformats.org/officeDocument/2006/relationships" xmlns:p="http://schemas.openxmlformats.org/presentationml/2006/main">
   <p:cSld>
     <p:spTree>
@@ -10902,333 +10175,6 @@
     <p:extLst>
       <p:ext uri="{BB962C8B-B14F-4D97-AF65-F5344CB8AC3E}">
         <p14:creationId xmlns:p14="http://schemas.microsoft.com/office/powerpoint/2010/main" val="1887969487"/>
-      </p:ext>
-    </p:extLst>
-  </p:cSld>
-  <p:clrMapOvr>
-    <a:masterClrMapping/>
-  </p:clrMapOvr>
-</p:sld>
-</file>
-
-<file path=ppt/slides/slide6.xml><?xml version="1.0" encoding="utf-8"?>
-<p:sld xmlns:a="http://schemas.openxmlformats.org/drawingml/2006/main" xmlns:r="http://schemas.openxmlformats.org/officeDocument/2006/relationships" xmlns:p="http://schemas.openxmlformats.org/presentationml/2006/main">
-  <p:cSld>
-    <p:spTree>
-      <p:nvGrpSpPr>
-        <p:cNvPr id="1" name="">
-          <a:extLst>
-            <a:ext uri="{FF2B5EF4-FFF2-40B4-BE49-F238E27FC236}">
-              <a16:creationId xmlns:a16="http://schemas.microsoft.com/office/drawing/2014/main" id="{5EF6A2ED-9039-7844-FA2D-8944A55F983B}"/>
-            </a:ext>
-          </a:extLst>
-        </p:cNvPr>
-        <p:cNvGrpSpPr/>
-        <p:nvPr/>
-      </p:nvGrpSpPr>
-      <p:grpSpPr>
-        <a:xfrm>
-          <a:off x="0" y="0"/>
-          <a:ext cx="0" cy="0"/>
-          <a:chOff x="0" y="0"/>
-          <a:chExt cx="0" cy="0"/>
-        </a:xfrm>
-      </p:grpSpPr>
-      <p:sp>
-        <p:nvSpPr>
-          <p:cNvPr id="4" name="Rettangolo 3">
-            <a:extLst>
-              <a:ext uri="{FF2B5EF4-FFF2-40B4-BE49-F238E27FC236}">
-                <a16:creationId xmlns:a16="http://schemas.microsoft.com/office/drawing/2014/main" id="{7C8B0C57-7C21-673F-04F1-D767F2C46A94}"/>
-              </a:ext>
-            </a:extLst>
-          </p:cNvPr>
-          <p:cNvSpPr/>
-          <p:nvPr/>
-        </p:nvSpPr>
-        <p:spPr>
-          <a:xfrm>
-            <a:off x="-21336" y="0"/>
-            <a:ext cx="12213336" cy="6858000"/>
-          </a:xfrm>
-          <a:prstGeom prst="rect">
-            <a:avLst/>
-          </a:prstGeom>
-          <a:blipFill dpi="0" rotWithShape="1">
-            <a:blip r:embed="rId2"/>
-            <a:srcRect/>
-            <a:tile tx="0" ty="0" sx="100000" sy="100000" flip="none" algn="tl"/>
-          </a:blipFill>
-        </p:spPr>
-        <p:style>
-          <a:lnRef idx="2">
-            <a:schemeClr val="accent1">
-              <a:shade val="15000"/>
-            </a:schemeClr>
-          </a:lnRef>
-          <a:fillRef idx="1">
-            <a:schemeClr val="accent1"/>
-          </a:fillRef>
-          <a:effectRef idx="0">
-            <a:schemeClr val="accent1"/>
-          </a:effectRef>
-          <a:fontRef idx="minor">
-            <a:schemeClr val="lt1"/>
-          </a:fontRef>
-        </p:style>
-        <p:txBody>
-          <a:bodyPr rtlCol="0" anchor="ctr"/>
-          <a:lstStyle/>
-          <a:p>
-            <a:pPr algn="ctr"/>
-            <a:endParaRPr lang="it-IT" dirty="0">
-              <a:solidFill>
-                <a:srgbClr val="6495ED"/>
-              </a:solidFill>
-              <a:latin typeface="Audiowide" panose="02000503000000020004" pitchFamily="2" charset="0"/>
-            </a:endParaRPr>
-          </a:p>
-        </p:txBody>
-      </p:sp>
-      <p:sp>
-        <p:nvSpPr>
-          <p:cNvPr id="5" name="Rettangolo con angoli arrotondati 4">
-            <a:extLst>
-              <a:ext uri="{FF2B5EF4-FFF2-40B4-BE49-F238E27FC236}">
-                <a16:creationId xmlns:a16="http://schemas.microsoft.com/office/drawing/2014/main" id="{C9E46003-BFDC-5840-8CA4-2FAF18EF7E15}"/>
-              </a:ext>
-            </a:extLst>
-          </p:cNvPr>
-          <p:cNvSpPr/>
-          <p:nvPr/>
-        </p:nvSpPr>
-        <p:spPr>
-          <a:xfrm>
-            <a:off x="481584" y="497521"/>
-            <a:ext cx="6601968" cy="1014984"/>
-          </a:xfrm>
-          <a:prstGeom prst="roundRect">
-            <a:avLst>
-              <a:gd name="adj" fmla="val 7658"/>
-            </a:avLst>
-          </a:prstGeom>
-          <a:noFill/>
-          <a:ln w="38100">
-            <a:solidFill>
-              <a:srgbClr val="FFA500"/>
-            </a:solidFill>
-          </a:ln>
-        </p:spPr>
-        <p:style>
-          <a:lnRef idx="2">
-            <a:schemeClr val="accent1">
-              <a:shade val="15000"/>
-            </a:schemeClr>
-          </a:lnRef>
-          <a:fillRef idx="1">
-            <a:schemeClr val="accent1"/>
-          </a:fillRef>
-          <a:effectRef idx="0">
-            <a:schemeClr val="accent1"/>
-          </a:effectRef>
-          <a:fontRef idx="minor">
-            <a:schemeClr val="lt1"/>
-          </a:fontRef>
-        </p:style>
-        <p:txBody>
-          <a:bodyPr rtlCol="0" anchor="ctr"/>
-          <a:lstStyle/>
-          <a:p>
-            <a:pPr algn="ctr"/>
-            <a:r>
-              <a:rPr lang="it-IT" sz="2800" dirty="0">
-                <a:solidFill>
-                  <a:srgbClr val="6495ED"/>
-                </a:solidFill>
-                <a:latin typeface="Audiowide" panose="02000503000000020004" pitchFamily="2" charset="0"/>
-              </a:rPr>
-              <a:t>PROJECTUAL PHILOSOPHY</a:t>
-            </a:r>
-          </a:p>
-        </p:txBody>
-      </p:sp>
-      <p:sp>
-        <p:nvSpPr>
-          <p:cNvPr id="7" name="Rettangolo con angoli arrotondati 6">
-            <a:extLst>
-              <a:ext uri="{FF2B5EF4-FFF2-40B4-BE49-F238E27FC236}">
-                <a16:creationId xmlns:a16="http://schemas.microsoft.com/office/drawing/2014/main" id="{00859595-E0EE-B793-96BC-D6DCA2DABB95}"/>
-              </a:ext>
-            </a:extLst>
-          </p:cNvPr>
-          <p:cNvSpPr/>
-          <p:nvPr/>
-        </p:nvSpPr>
-        <p:spPr>
-          <a:xfrm>
-            <a:off x="484632" y="1765488"/>
-            <a:ext cx="11222736" cy="4671887"/>
-          </a:xfrm>
-          <a:prstGeom prst="roundRect">
-            <a:avLst>
-              <a:gd name="adj" fmla="val 1395"/>
-            </a:avLst>
-          </a:prstGeom>
-          <a:noFill/>
-          <a:ln w="38100">
-            <a:solidFill>
-              <a:srgbClr val="FFA500"/>
-            </a:solidFill>
-          </a:ln>
-        </p:spPr>
-        <p:style>
-          <a:lnRef idx="2">
-            <a:schemeClr val="accent1">
-              <a:shade val="15000"/>
-            </a:schemeClr>
-          </a:lnRef>
-          <a:fillRef idx="1">
-            <a:schemeClr val="accent1"/>
-          </a:fillRef>
-          <a:effectRef idx="0">
-            <a:schemeClr val="accent1"/>
-          </a:effectRef>
-          <a:fontRef idx="minor">
-            <a:schemeClr val="lt1"/>
-          </a:fontRef>
-        </p:style>
-        <p:txBody>
-          <a:bodyPr rtlCol="0" anchor="ctr"/>
-          <a:lstStyle/>
-          <a:p>
-            <a:pPr algn="ctr"/>
-            <a:r>
-              <a:rPr lang="it-IT" sz="2800" dirty="0">
-                <a:solidFill>
-                  <a:srgbClr val="6495ED"/>
-                </a:solidFill>
-                <a:latin typeface="Audiowide" panose="02000503000000020004" pitchFamily="2" charset="0"/>
-              </a:rPr>
-              <a:t>«NON FUNZIONA NIENTE NON E’ POSSIBILE»</a:t>
-            </a:r>
-          </a:p>
-          <a:p>
-            <a:pPr algn="ctr"/>
-            <a:r>
-              <a:rPr lang="it-IT" sz="1400" dirty="0">
-                <a:solidFill>
-                  <a:srgbClr val="6495ED"/>
-                </a:solidFill>
-                <a:latin typeface="Audiowide" panose="02000503000000020004" pitchFamily="2" charset="0"/>
-              </a:rPr>
-              <a:t>-Marco Porcella</a:t>
-            </a:r>
-          </a:p>
-          <a:p>
-            <a:pPr algn="ctr"/>
-            <a:endParaRPr lang="it-IT" sz="1400" dirty="0">
-              <a:solidFill>
-                <a:srgbClr val="6495ED"/>
-              </a:solidFill>
-              <a:latin typeface="Audiowide" panose="02000503000000020004" pitchFamily="2" charset="0"/>
-            </a:endParaRPr>
-          </a:p>
-          <a:p>
-            <a:pPr algn="ctr"/>
-            <a:r>
-              <a:rPr lang="it-IT" sz="2800" dirty="0">
-                <a:solidFill>
-                  <a:srgbClr val="6495ED"/>
-                </a:solidFill>
-                <a:latin typeface="Audiowide" panose="02000503000000020004" pitchFamily="2" charset="0"/>
-              </a:rPr>
-              <a:t>«MA COME SI FA?»</a:t>
-            </a:r>
-          </a:p>
-          <a:p>
-            <a:pPr algn="ctr"/>
-            <a:r>
-              <a:rPr lang="it-IT" sz="1400" dirty="0">
-                <a:solidFill>
-                  <a:srgbClr val="6495ED"/>
-                </a:solidFill>
-                <a:latin typeface="Audiowide" panose="02000503000000020004" pitchFamily="2" charset="0"/>
-              </a:rPr>
-              <a:t>-Andrea Crisafulli</a:t>
-            </a:r>
-          </a:p>
-          <a:p>
-            <a:pPr algn="ctr"/>
-            <a:endParaRPr lang="it-IT" sz="1400" dirty="0">
-              <a:solidFill>
-                <a:srgbClr val="6495ED"/>
-              </a:solidFill>
-              <a:latin typeface="Audiowide" panose="02000503000000020004" pitchFamily="2" charset="0"/>
-            </a:endParaRPr>
-          </a:p>
-          <a:p>
-            <a:pPr algn="ctr"/>
-            <a:r>
-              <a:rPr lang="it-IT" sz="2800" dirty="0">
-                <a:solidFill>
-                  <a:srgbClr val="6495ED"/>
-                </a:solidFill>
-                <a:latin typeface="Audiowide" panose="02000503000000020004" pitchFamily="2" charset="0"/>
-              </a:rPr>
-              <a:t>«CHIEDIAMO A CHAT GPT.»</a:t>
-            </a:r>
-          </a:p>
-          <a:p>
-            <a:pPr algn="ctr"/>
-            <a:r>
-              <a:rPr lang="it-IT" sz="1400" dirty="0">
-                <a:solidFill>
-                  <a:srgbClr val="6495ED"/>
-                </a:solidFill>
-                <a:latin typeface="Audiowide" panose="02000503000000020004" pitchFamily="2" charset="0"/>
-              </a:rPr>
-              <a:t>-Filippo Longhi</a:t>
-            </a:r>
-          </a:p>
-          <a:p>
-            <a:pPr algn="ctr"/>
-            <a:endParaRPr lang="it-IT" sz="1400" dirty="0">
-              <a:solidFill>
-                <a:srgbClr val="6495ED"/>
-              </a:solidFill>
-              <a:latin typeface="Audiowide" panose="02000503000000020004" pitchFamily="2" charset="0"/>
-            </a:endParaRPr>
-          </a:p>
-          <a:p>
-            <a:pPr algn="ctr"/>
-            <a:r>
-              <a:rPr lang="it-IT" sz="2800" dirty="0">
-                <a:solidFill>
-                  <a:srgbClr val="6495ED"/>
-                </a:solidFill>
-                <a:latin typeface="Audiowide" panose="02000503000000020004" pitchFamily="2" charset="0"/>
-              </a:rPr>
-              <a:t>«SECONDO ME POTREMMO CAMBIARE IL COLORE DELLO SFONDO»</a:t>
-            </a:r>
-          </a:p>
-          <a:p>
-            <a:pPr algn="ctr"/>
-            <a:r>
-              <a:rPr lang="it-IT" sz="1400" dirty="0">
-                <a:solidFill>
-                  <a:srgbClr val="6495ED"/>
-                </a:solidFill>
-                <a:latin typeface="Audiowide" panose="02000503000000020004" pitchFamily="2" charset="0"/>
-              </a:rPr>
-              <a:t>-Giacomo De Toni</a:t>
-            </a:r>
-          </a:p>
-        </p:txBody>
-      </p:sp>
-    </p:spTree>
-    <p:extLst>
-      <p:ext uri="{BB962C8B-B14F-4D97-AF65-F5344CB8AC3E}">
-        <p14:creationId xmlns:p14="http://schemas.microsoft.com/office/powerpoint/2010/main" val="3260121965"/>
       </p:ext>
     </p:extLst>
   </p:cSld>

--- a/MusicMind.pptx
+++ b/MusicMind.pptx
@@ -6,11 +6,11 @@
   </p:sldMasterIdLst>
   <p:sldIdLst>
     <p:sldId id="256" r:id="rId2"/>
-    <p:sldId id="259" r:id="rId3"/>
-    <p:sldId id="258" r:id="rId4"/>
-    <p:sldId id="268" r:id="rId5"/>
-    <p:sldId id="269" r:id="rId6"/>
-    <p:sldId id="270" r:id="rId7"/>
+    <p:sldId id="258" r:id="rId3"/>
+    <p:sldId id="268" r:id="rId4"/>
+    <p:sldId id="269" r:id="rId5"/>
+    <p:sldId id="270" r:id="rId6"/>
+    <p:sldId id="259" r:id="rId7"/>
     <p:sldId id="260" r:id="rId8"/>
     <p:sldId id="265" r:id="rId9"/>
     <p:sldId id="262" r:id="rId10"/>
@@ -273,7 +273,7 @@
           <a:p>
             <a:fld id="{0E70C3EC-88CA-437A-85DE-08C84DD892F5}" type="datetimeFigureOut">
               <a:rPr lang="it-IT" smtClean="0"/>
-              <a:t>14/01/2025</a:t>
+              <a:t>15/01/2025</a:t>
             </a:fld>
             <a:endParaRPr lang="it-IT"/>
           </a:p>
@@ -471,7 +471,7 @@
           <a:p>
             <a:fld id="{0E70C3EC-88CA-437A-85DE-08C84DD892F5}" type="datetimeFigureOut">
               <a:rPr lang="it-IT" smtClean="0"/>
-              <a:t>14/01/2025</a:t>
+              <a:t>15/01/2025</a:t>
             </a:fld>
             <a:endParaRPr lang="it-IT"/>
           </a:p>
@@ -679,7 +679,7 @@
           <a:p>
             <a:fld id="{0E70C3EC-88CA-437A-85DE-08C84DD892F5}" type="datetimeFigureOut">
               <a:rPr lang="it-IT" smtClean="0"/>
-              <a:t>14/01/2025</a:t>
+              <a:t>15/01/2025</a:t>
             </a:fld>
             <a:endParaRPr lang="it-IT"/>
           </a:p>
@@ -877,7 +877,7 @@
           <a:p>
             <a:fld id="{0E70C3EC-88CA-437A-85DE-08C84DD892F5}" type="datetimeFigureOut">
               <a:rPr lang="it-IT" smtClean="0"/>
-              <a:t>14/01/2025</a:t>
+              <a:t>15/01/2025</a:t>
             </a:fld>
             <a:endParaRPr lang="it-IT"/>
           </a:p>
@@ -1152,7 +1152,7 @@
           <a:p>
             <a:fld id="{0E70C3EC-88CA-437A-85DE-08C84DD892F5}" type="datetimeFigureOut">
               <a:rPr lang="it-IT" smtClean="0"/>
-              <a:t>14/01/2025</a:t>
+              <a:t>15/01/2025</a:t>
             </a:fld>
             <a:endParaRPr lang="it-IT"/>
           </a:p>
@@ -1417,7 +1417,7 @@
           <a:p>
             <a:fld id="{0E70C3EC-88CA-437A-85DE-08C84DD892F5}" type="datetimeFigureOut">
               <a:rPr lang="it-IT" smtClean="0"/>
-              <a:t>14/01/2025</a:t>
+              <a:t>15/01/2025</a:t>
             </a:fld>
             <a:endParaRPr lang="it-IT"/>
           </a:p>
@@ -1829,7 +1829,7 @@
           <a:p>
             <a:fld id="{0E70C3EC-88CA-437A-85DE-08C84DD892F5}" type="datetimeFigureOut">
               <a:rPr lang="it-IT" smtClean="0"/>
-              <a:t>14/01/2025</a:t>
+              <a:t>15/01/2025</a:t>
             </a:fld>
             <a:endParaRPr lang="it-IT"/>
           </a:p>
@@ -1970,7 +1970,7 @@
           <a:p>
             <a:fld id="{0E70C3EC-88CA-437A-85DE-08C84DD892F5}" type="datetimeFigureOut">
               <a:rPr lang="it-IT" smtClean="0"/>
-              <a:t>14/01/2025</a:t>
+              <a:t>15/01/2025</a:t>
             </a:fld>
             <a:endParaRPr lang="it-IT"/>
           </a:p>
@@ -2083,7 +2083,7 @@
           <a:p>
             <a:fld id="{0E70C3EC-88CA-437A-85DE-08C84DD892F5}" type="datetimeFigureOut">
               <a:rPr lang="it-IT" smtClean="0"/>
-              <a:t>14/01/2025</a:t>
+              <a:t>15/01/2025</a:t>
             </a:fld>
             <a:endParaRPr lang="it-IT"/>
           </a:p>
@@ -2394,7 +2394,7 @@
           <a:p>
             <a:fld id="{0E70C3EC-88CA-437A-85DE-08C84DD892F5}" type="datetimeFigureOut">
               <a:rPr lang="it-IT" smtClean="0"/>
-              <a:t>14/01/2025</a:t>
+              <a:t>15/01/2025</a:t>
             </a:fld>
             <a:endParaRPr lang="it-IT"/>
           </a:p>
@@ -2682,7 +2682,7 @@
           <a:p>
             <a:fld id="{0E70C3EC-88CA-437A-85DE-08C84DD892F5}" type="datetimeFigureOut">
               <a:rPr lang="it-IT" smtClean="0"/>
-              <a:t>14/01/2025</a:t>
+              <a:t>15/01/2025</a:t>
             </a:fld>
             <a:endParaRPr lang="it-IT"/>
           </a:p>
@@ -2923,7 +2923,7 @@
           <a:p>
             <a:fld id="{0E70C3EC-88CA-437A-85DE-08C84DD892F5}" type="datetimeFigureOut">
               <a:rPr lang="it-IT" smtClean="0"/>
-              <a:t>14/01/2025</a:t>
+              <a:t>15/01/2025</a:t>
             </a:fld>
             <a:endParaRPr lang="it-IT"/>
           </a:p>
@@ -4060,7 +4060,7 @@
           <a:lstStyle/>
           <a:p>
             <a:pPr algn="ctr"/>
-            <a:endParaRPr lang="it-IT" dirty="0">
+            <a:endParaRPr lang="it-IT" u="sng" dirty="0">
               <a:solidFill>
                 <a:srgbClr val="6495ED"/>
               </a:solidFill>
@@ -4550,7 +4550,7 @@
                 </a:solidFill>
                 <a:latin typeface="Audiowide" panose="02000503000000020004" pitchFamily="2" charset="0"/>
               </a:rPr>
-              <a:t>DATA CONDIVISION</a:t>
+              <a:t>REALTIME DATABASE</a:t>
             </a:r>
           </a:p>
         </p:txBody>
@@ -6179,7 +6179,7 @@
         </p:nvSpPr>
         <p:spPr>
           <a:xfrm>
-            <a:off x="428244" y="883223"/>
+            <a:off x="428244" y="-195769"/>
             <a:ext cx="11314176" cy="3038855"/>
           </a:xfrm>
         </p:spPr>
@@ -6221,8 +6221,8 @@
         </p:nvSpPr>
         <p:spPr>
           <a:xfrm>
-            <a:off x="2795016" y="4392865"/>
-            <a:ext cx="6601968" cy="1014984"/>
+            <a:off x="2795016" y="3038855"/>
+            <a:ext cx="6601968" cy="1477343"/>
           </a:xfrm>
           <a:prstGeom prst="roundRect">
             <a:avLst>
@@ -6267,50 +6267,35 @@
               <a:t>THANKS FOR THE ATTENTION</a:t>
             </a:r>
           </a:p>
+          <a:p>
+            <a:pPr algn="ctr"/>
+            <a:endParaRPr lang="it-IT" sz="2800" dirty="0">
+              <a:solidFill>
+                <a:srgbClr val="6495ED"/>
+              </a:solidFill>
+              <a:latin typeface="Audiowide" panose="02000503000000020004" pitchFamily="2" charset="0"/>
+            </a:endParaRPr>
+          </a:p>
+          <a:p>
+            <a:pPr algn="ctr"/>
+            <a:r>
+              <a:rPr lang="it-IT" sz="2800" dirty="0">
+                <a:solidFill>
+                  <a:srgbClr val="6495ED"/>
+                </a:solidFill>
+                <a:latin typeface="Audiowide" panose="02000503000000020004" pitchFamily="2" charset="0"/>
+              </a:rPr>
+              <a:t>NOW IT’S TIME TO PLAY</a:t>
+            </a:r>
+          </a:p>
         </p:txBody>
       </p:sp>
-    </p:spTree>
-    <p:extLst>
-      <p:ext uri="{BB962C8B-B14F-4D97-AF65-F5344CB8AC3E}">
-        <p14:creationId xmlns:p14="http://schemas.microsoft.com/office/powerpoint/2010/main" val="2473321203"/>
-      </p:ext>
-    </p:extLst>
-  </p:cSld>
-  <p:clrMapOvr>
-    <a:masterClrMapping/>
-  </p:clrMapOvr>
-</p:sld>
-</file>
-
-<file path=ppt/slides/slide2.xml><?xml version="1.0" encoding="utf-8"?>
-<p:sld xmlns:a="http://schemas.openxmlformats.org/drawingml/2006/main" xmlns:r="http://schemas.openxmlformats.org/officeDocument/2006/relationships" xmlns:p="http://schemas.openxmlformats.org/presentationml/2006/main">
-  <p:cSld>
-    <p:spTree>
-      <p:nvGrpSpPr>
-        <p:cNvPr id="1" name="">
-          <a:extLst>
-            <a:ext uri="{FF2B5EF4-FFF2-40B4-BE49-F238E27FC236}">
-              <a16:creationId xmlns:a16="http://schemas.microsoft.com/office/drawing/2014/main" id="{5EF6A2ED-9039-7844-FA2D-8944A55F983B}"/>
-            </a:ext>
-          </a:extLst>
-        </p:cNvPr>
-        <p:cNvGrpSpPr/>
-        <p:nvPr/>
-      </p:nvGrpSpPr>
-      <p:grpSpPr>
-        <a:xfrm>
-          <a:off x="0" y="0"/>
-          <a:ext cx="0" cy="0"/>
-          <a:chOff x="0" y="0"/>
-          <a:chExt cx="0" cy="0"/>
-        </a:xfrm>
-      </p:grpSpPr>
       <p:sp>
         <p:nvSpPr>
-          <p:cNvPr id="4" name="Rettangolo 3">
-            <a:extLst>
-              <a:ext uri="{FF2B5EF4-FFF2-40B4-BE49-F238E27FC236}">
-                <a16:creationId xmlns:a16="http://schemas.microsoft.com/office/drawing/2014/main" id="{7C8B0C57-7C21-673F-04F1-D767F2C46A94}"/>
+          <p:cNvPr id="3" name="Rettangolo con angoli arrotondati 2">
+            <a:extLst>
+              <a:ext uri="{FF2B5EF4-FFF2-40B4-BE49-F238E27FC236}">
+                <a16:creationId xmlns:a16="http://schemas.microsoft.com/office/drawing/2014/main" id="{2B16503D-4E5E-FDDF-4F43-22062E855450}"/>
               </a:ext>
             </a:extLst>
           </p:cNvPr>
@@ -6319,64 +6304,8 @@
         </p:nvSpPr>
         <p:spPr>
           <a:xfrm>
-            <a:off x="-21336" y="0"/>
-            <a:ext cx="12213336" cy="6858000"/>
-          </a:xfrm>
-          <a:prstGeom prst="rect">
-            <a:avLst/>
-          </a:prstGeom>
-          <a:blipFill dpi="0" rotWithShape="1">
-            <a:blip r:embed="rId2"/>
-            <a:srcRect/>
-            <a:tile tx="0" ty="0" sx="100000" sy="100000" flip="none" algn="tl"/>
-          </a:blipFill>
-        </p:spPr>
-        <p:style>
-          <a:lnRef idx="2">
-            <a:schemeClr val="accent1">
-              <a:shade val="15000"/>
-            </a:schemeClr>
-          </a:lnRef>
-          <a:fillRef idx="1">
-            <a:schemeClr val="accent1"/>
-          </a:fillRef>
-          <a:effectRef idx="0">
-            <a:schemeClr val="accent1"/>
-          </a:effectRef>
-          <a:fontRef idx="minor">
-            <a:schemeClr val="lt1"/>
-          </a:fontRef>
-        </p:style>
-        <p:txBody>
-          <a:bodyPr rtlCol="0" anchor="ctr"/>
-          <a:lstStyle/>
-          <a:p>
-            <a:pPr algn="ctr"/>
-            <a:endParaRPr lang="it-IT" dirty="0">
-              <a:solidFill>
-                <a:srgbClr val="6495ED"/>
-              </a:solidFill>
-              <a:latin typeface="Audiowide" panose="02000503000000020004" pitchFamily="2" charset="0"/>
-            </a:endParaRPr>
-          </a:p>
-        </p:txBody>
-      </p:sp>
-      <p:sp>
-        <p:nvSpPr>
-          <p:cNvPr id="5" name="Rettangolo con angoli arrotondati 4">
-            <a:extLst>
-              <a:ext uri="{FF2B5EF4-FFF2-40B4-BE49-F238E27FC236}">
-                <a16:creationId xmlns:a16="http://schemas.microsoft.com/office/drawing/2014/main" id="{C9E46003-BFDC-5840-8CA4-2FAF18EF7E15}"/>
-              </a:ext>
-            </a:extLst>
-          </p:cNvPr>
-          <p:cNvSpPr/>
-          <p:nvPr/>
-        </p:nvSpPr>
-        <p:spPr>
-          <a:xfrm>
-            <a:off x="481584" y="497521"/>
-            <a:ext cx="6601968" cy="1014984"/>
+            <a:off x="609600" y="5085936"/>
+            <a:ext cx="10972800" cy="1014984"/>
           </a:xfrm>
           <a:prstGeom prst="roundRect">
             <a:avLst>
@@ -6418,180 +6347,7 @@
                 </a:solidFill>
                 <a:latin typeface="Audiowide" panose="02000503000000020004" pitchFamily="2" charset="0"/>
               </a:rPr>
-              <a:t>PROJECTUAL PHILOSOPHY</a:t>
-            </a:r>
-          </a:p>
-        </p:txBody>
-      </p:sp>
-      <p:sp>
-        <p:nvSpPr>
-          <p:cNvPr id="7" name="Rettangolo con angoli arrotondati 6">
-            <a:extLst>
-              <a:ext uri="{FF2B5EF4-FFF2-40B4-BE49-F238E27FC236}">
-                <a16:creationId xmlns:a16="http://schemas.microsoft.com/office/drawing/2014/main" id="{00859595-E0EE-B793-96BC-D6DCA2DABB95}"/>
-              </a:ext>
-            </a:extLst>
-          </p:cNvPr>
-          <p:cNvSpPr/>
-          <p:nvPr/>
-        </p:nvSpPr>
-        <p:spPr>
-          <a:xfrm>
-            <a:off x="484632" y="1765488"/>
-            <a:ext cx="11222736" cy="4671887"/>
-          </a:xfrm>
-          <a:prstGeom prst="roundRect">
-            <a:avLst>
-              <a:gd name="adj" fmla="val 1395"/>
-            </a:avLst>
-          </a:prstGeom>
-          <a:noFill/>
-          <a:ln w="38100">
-            <a:solidFill>
-              <a:srgbClr val="FFA500"/>
-            </a:solidFill>
-          </a:ln>
-        </p:spPr>
-        <p:style>
-          <a:lnRef idx="2">
-            <a:schemeClr val="accent1">
-              <a:shade val="15000"/>
-            </a:schemeClr>
-          </a:lnRef>
-          <a:fillRef idx="1">
-            <a:schemeClr val="accent1"/>
-          </a:fillRef>
-          <a:effectRef idx="0">
-            <a:schemeClr val="accent1"/>
-          </a:effectRef>
-          <a:fontRef idx="minor">
-            <a:schemeClr val="lt1"/>
-          </a:fontRef>
-        </p:style>
-        <p:txBody>
-          <a:bodyPr rtlCol="0" anchor="ctr"/>
-          <a:lstStyle/>
-          <a:p>
-            <a:pPr algn="ctr"/>
-            <a:r>
-              <a:rPr lang="it-IT" sz="2800" dirty="0">
-                <a:solidFill>
-                  <a:srgbClr val="6495ED"/>
-                </a:solidFill>
-                <a:latin typeface="Audiowide" panose="02000503000000020004" pitchFamily="2" charset="0"/>
-              </a:rPr>
-              <a:t>«NON FUNZIONA NIENTE»</a:t>
-            </a:r>
-          </a:p>
-          <a:p>
-            <a:pPr algn="ctr"/>
-            <a:r>
-              <a:rPr lang="it-IT" sz="1400" dirty="0">
-                <a:solidFill>
-                  <a:srgbClr val="6495ED"/>
-                </a:solidFill>
-                <a:latin typeface="Audiowide" panose="02000503000000020004" pitchFamily="2" charset="0"/>
-              </a:rPr>
-              <a:t>-Marco Porcella</a:t>
-            </a:r>
-          </a:p>
-          <a:p>
-            <a:pPr algn="ctr"/>
-            <a:endParaRPr lang="it-IT" sz="1400" dirty="0">
-              <a:solidFill>
-                <a:srgbClr val="6495ED"/>
-              </a:solidFill>
-              <a:latin typeface="Audiowide" panose="02000503000000020004" pitchFamily="2" charset="0"/>
-            </a:endParaRPr>
-          </a:p>
-          <a:p>
-            <a:pPr algn="ctr"/>
-            <a:r>
-              <a:rPr lang="it-IT" sz="2800" dirty="0">
-                <a:solidFill>
-                  <a:srgbClr val="6495ED"/>
-                </a:solidFill>
-                <a:latin typeface="Audiowide" panose="02000503000000020004" pitchFamily="2" charset="0"/>
-              </a:rPr>
-              <a:t>«MA COME SI FA?»</a:t>
-            </a:r>
-          </a:p>
-          <a:p>
-            <a:pPr algn="ctr"/>
-            <a:r>
-              <a:rPr lang="it-IT" sz="1400" dirty="0">
-                <a:solidFill>
-                  <a:srgbClr val="6495ED"/>
-                </a:solidFill>
-                <a:latin typeface="Audiowide" panose="02000503000000020004" pitchFamily="2" charset="0"/>
-              </a:rPr>
-              <a:t>-Andrea Crisafulli</a:t>
-            </a:r>
-          </a:p>
-          <a:p>
-            <a:pPr algn="ctr"/>
-            <a:endParaRPr lang="it-IT" sz="1400" dirty="0">
-              <a:solidFill>
-                <a:srgbClr val="6495ED"/>
-              </a:solidFill>
-              <a:latin typeface="Audiowide" panose="02000503000000020004" pitchFamily="2" charset="0"/>
-            </a:endParaRPr>
-          </a:p>
-          <a:p>
-            <a:pPr algn="ctr"/>
-            <a:r>
-              <a:rPr lang="it-IT" sz="2800" dirty="0">
-                <a:solidFill>
-                  <a:srgbClr val="6495ED"/>
-                </a:solidFill>
-                <a:latin typeface="Audiowide" panose="02000503000000020004" pitchFamily="2" charset="0"/>
-              </a:rPr>
-              <a:t>«CHIEDIAMO A CHAT GPT.»</a:t>
-            </a:r>
-          </a:p>
-          <a:p>
-            <a:pPr algn="ctr"/>
-            <a:r>
-              <a:rPr lang="it-IT" sz="1400" dirty="0">
-                <a:solidFill>
-                  <a:srgbClr val="6495ED"/>
-                </a:solidFill>
-                <a:latin typeface="Audiowide" panose="02000503000000020004" pitchFamily="2" charset="0"/>
-              </a:rPr>
-              <a:t>-Filippo Longhi</a:t>
-            </a:r>
-          </a:p>
-          <a:p>
-            <a:pPr algn="ctr"/>
-            <a:endParaRPr lang="it-IT" sz="1400" dirty="0">
-              <a:solidFill>
-                <a:srgbClr val="6495ED"/>
-              </a:solidFill>
-              <a:latin typeface="Audiowide" panose="02000503000000020004" pitchFamily="2" charset="0"/>
-            </a:endParaRPr>
-          </a:p>
-          <a:p>
-            <a:pPr algn="ctr"/>
-            <a:r>
-              <a:rPr lang="it-IT" sz="2800" dirty="0">
-                <a:solidFill>
-                  <a:srgbClr val="6495ED"/>
-                </a:solidFill>
-                <a:latin typeface="Audiowide" panose="02000503000000020004" pitchFamily="2" charset="0"/>
-              </a:rPr>
-              <a:t>«CAMBIAMO IL COLORE DELLO SFONDO»</a:t>
-            </a:r>
-          </a:p>
-          <a:p>
-            <a:pPr algn="ctr"/>
-            <a:r>
-              <a:rPr lang="it-IT" sz="1400" dirty="0">
-                <a:solidFill>
-                  <a:srgbClr val="6495ED"/>
-                </a:solidFill>
-                <a:latin typeface="Audiowide" panose="02000503000000020004" pitchFamily="2" charset="0"/>
-              </a:rPr>
-              <a:t>-Giacomo De Toni</a:t>
+              <a:t>https://ciorpy.github.io/ACTaM-Project-2024-25/</a:t>
             </a:r>
           </a:p>
         </p:txBody>
@@ -6599,7 +6355,7 @@
     </p:spTree>
     <p:extLst>
       <p:ext uri="{BB962C8B-B14F-4D97-AF65-F5344CB8AC3E}">
-        <p14:creationId xmlns:p14="http://schemas.microsoft.com/office/powerpoint/2010/main" val="3260121965"/>
+        <p14:creationId xmlns:p14="http://schemas.microsoft.com/office/powerpoint/2010/main" val="2473321203"/>
       </p:ext>
     </p:extLst>
   </p:cSld>
@@ -6609,7 +6365,7 @@
 </p:sld>
 </file>
 
-<file path=ppt/slides/slide3.xml><?xml version="1.0" encoding="utf-8"?>
+<file path=ppt/slides/slide2.xml><?xml version="1.0" encoding="utf-8"?>
 <p:sld xmlns:a="http://schemas.openxmlformats.org/drawingml/2006/main" xmlns:r="http://schemas.openxmlformats.org/officeDocument/2006/relationships" xmlns:p="http://schemas.openxmlformats.org/presentationml/2006/main">
   <p:cSld>
     <p:spTree>
@@ -7246,7 +7002,7 @@
 </p:sld>
 </file>
 
-<file path=ppt/slides/slide4.xml><?xml version="1.0" encoding="utf-8"?>
+<file path=ppt/slides/slide3.xml><?xml version="1.0" encoding="utf-8"?>
 <p:sld xmlns:a="http://schemas.openxmlformats.org/drawingml/2006/main" xmlns:r="http://schemas.openxmlformats.org/officeDocument/2006/relationships" xmlns:p="http://schemas.openxmlformats.org/presentationml/2006/main">
   <p:cSld>
     <p:spTree>
@@ -8048,7 +7804,7 @@
 </p:sld>
 </file>
 
-<file path=ppt/slides/slide5.xml><?xml version="1.0" encoding="utf-8"?>
+<file path=ppt/slides/slide4.xml><?xml version="1.0" encoding="utf-8"?>
 <p:sld xmlns:a="http://schemas.openxmlformats.org/drawingml/2006/main" xmlns:r="http://schemas.openxmlformats.org/officeDocument/2006/relationships" xmlns:p="http://schemas.openxmlformats.org/presentationml/2006/main">
   <p:cSld>
     <p:spTree>
@@ -9003,7 +8759,7 @@
 </p:sld>
 </file>
 
-<file path=ppt/slides/slide6.xml><?xml version="1.0" encoding="utf-8"?>
+<file path=ppt/slides/slide5.xml><?xml version="1.0" encoding="utf-8"?>
 <p:sld xmlns:a="http://schemas.openxmlformats.org/drawingml/2006/main" xmlns:r="http://schemas.openxmlformats.org/officeDocument/2006/relationships" xmlns:p="http://schemas.openxmlformats.org/presentationml/2006/main">
   <p:cSld>
     <p:spTree>
@@ -10175,6 +9931,333 @@
     <p:extLst>
       <p:ext uri="{BB962C8B-B14F-4D97-AF65-F5344CB8AC3E}">
         <p14:creationId xmlns:p14="http://schemas.microsoft.com/office/powerpoint/2010/main" val="1887969487"/>
+      </p:ext>
+    </p:extLst>
+  </p:cSld>
+  <p:clrMapOvr>
+    <a:masterClrMapping/>
+  </p:clrMapOvr>
+</p:sld>
+</file>
+
+<file path=ppt/slides/slide6.xml><?xml version="1.0" encoding="utf-8"?>
+<p:sld xmlns:a="http://schemas.openxmlformats.org/drawingml/2006/main" xmlns:r="http://schemas.openxmlformats.org/officeDocument/2006/relationships" xmlns:p="http://schemas.openxmlformats.org/presentationml/2006/main">
+  <p:cSld>
+    <p:spTree>
+      <p:nvGrpSpPr>
+        <p:cNvPr id="1" name="">
+          <a:extLst>
+            <a:ext uri="{FF2B5EF4-FFF2-40B4-BE49-F238E27FC236}">
+              <a16:creationId xmlns:a16="http://schemas.microsoft.com/office/drawing/2014/main" id="{5EF6A2ED-9039-7844-FA2D-8944A55F983B}"/>
+            </a:ext>
+          </a:extLst>
+        </p:cNvPr>
+        <p:cNvGrpSpPr/>
+        <p:nvPr/>
+      </p:nvGrpSpPr>
+      <p:grpSpPr>
+        <a:xfrm>
+          <a:off x="0" y="0"/>
+          <a:ext cx="0" cy="0"/>
+          <a:chOff x="0" y="0"/>
+          <a:chExt cx="0" cy="0"/>
+        </a:xfrm>
+      </p:grpSpPr>
+      <p:sp>
+        <p:nvSpPr>
+          <p:cNvPr id="4" name="Rettangolo 3">
+            <a:extLst>
+              <a:ext uri="{FF2B5EF4-FFF2-40B4-BE49-F238E27FC236}">
+                <a16:creationId xmlns:a16="http://schemas.microsoft.com/office/drawing/2014/main" id="{7C8B0C57-7C21-673F-04F1-D767F2C46A94}"/>
+              </a:ext>
+            </a:extLst>
+          </p:cNvPr>
+          <p:cNvSpPr/>
+          <p:nvPr/>
+        </p:nvSpPr>
+        <p:spPr>
+          <a:xfrm>
+            <a:off x="-21336" y="0"/>
+            <a:ext cx="12213336" cy="6858000"/>
+          </a:xfrm>
+          <a:prstGeom prst="rect">
+            <a:avLst/>
+          </a:prstGeom>
+          <a:blipFill dpi="0" rotWithShape="1">
+            <a:blip r:embed="rId2"/>
+            <a:srcRect/>
+            <a:tile tx="0" ty="0" sx="100000" sy="100000" flip="none" algn="tl"/>
+          </a:blipFill>
+        </p:spPr>
+        <p:style>
+          <a:lnRef idx="2">
+            <a:schemeClr val="accent1">
+              <a:shade val="15000"/>
+            </a:schemeClr>
+          </a:lnRef>
+          <a:fillRef idx="1">
+            <a:schemeClr val="accent1"/>
+          </a:fillRef>
+          <a:effectRef idx="0">
+            <a:schemeClr val="accent1"/>
+          </a:effectRef>
+          <a:fontRef idx="minor">
+            <a:schemeClr val="lt1"/>
+          </a:fontRef>
+        </p:style>
+        <p:txBody>
+          <a:bodyPr rtlCol="0" anchor="ctr"/>
+          <a:lstStyle/>
+          <a:p>
+            <a:pPr algn="ctr"/>
+            <a:endParaRPr lang="it-IT" dirty="0">
+              <a:solidFill>
+                <a:srgbClr val="6495ED"/>
+              </a:solidFill>
+              <a:latin typeface="Audiowide" panose="02000503000000020004" pitchFamily="2" charset="0"/>
+            </a:endParaRPr>
+          </a:p>
+        </p:txBody>
+      </p:sp>
+      <p:sp>
+        <p:nvSpPr>
+          <p:cNvPr id="5" name="Rettangolo con angoli arrotondati 4">
+            <a:extLst>
+              <a:ext uri="{FF2B5EF4-FFF2-40B4-BE49-F238E27FC236}">
+                <a16:creationId xmlns:a16="http://schemas.microsoft.com/office/drawing/2014/main" id="{C9E46003-BFDC-5840-8CA4-2FAF18EF7E15}"/>
+              </a:ext>
+            </a:extLst>
+          </p:cNvPr>
+          <p:cNvSpPr/>
+          <p:nvPr/>
+        </p:nvSpPr>
+        <p:spPr>
+          <a:xfrm>
+            <a:off x="481584" y="497521"/>
+            <a:ext cx="6601968" cy="1014984"/>
+          </a:xfrm>
+          <a:prstGeom prst="roundRect">
+            <a:avLst>
+              <a:gd name="adj" fmla="val 7658"/>
+            </a:avLst>
+          </a:prstGeom>
+          <a:noFill/>
+          <a:ln w="38100">
+            <a:solidFill>
+              <a:srgbClr val="FFA500"/>
+            </a:solidFill>
+          </a:ln>
+        </p:spPr>
+        <p:style>
+          <a:lnRef idx="2">
+            <a:schemeClr val="accent1">
+              <a:shade val="15000"/>
+            </a:schemeClr>
+          </a:lnRef>
+          <a:fillRef idx="1">
+            <a:schemeClr val="accent1"/>
+          </a:fillRef>
+          <a:effectRef idx="0">
+            <a:schemeClr val="accent1"/>
+          </a:effectRef>
+          <a:fontRef idx="minor">
+            <a:schemeClr val="lt1"/>
+          </a:fontRef>
+        </p:style>
+        <p:txBody>
+          <a:bodyPr rtlCol="0" anchor="ctr"/>
+          <a:lstStyle/>
+          <a:p>
+            <a:pPr algn="ctr"/>
+            <a:r>
+              <a:rPr lang="it-IT" sz="2800" dirty="0">
+                <a:solidFill>
+                  <a:srgbClr val="6495ED"/>
+                </a:solidFill>
+                <a:latin typeface="Audiowide" panose="02000503000000020004" pitchFamily="2" charset="0"/>
+              </a:rPr>
+              <a:t>PROJECTUAL PHILOSOPHY</a:t>
+            </a:r>
+          </a:p>
+        </p:txBody>
+      </p:sp>
+      <p:sp>
+        <p:nvSpPr>
+          <p:cNvPr id="7" name="Rettangolo con angoli arrotondati 6">
+            <a:extLst>
+              <a:ext uri="{FF2B5EF4-FFF2-40B4-BE49-F238E27FC236}">
+                <a16:creationId xmlns:a16="http://schemas.microsoft.com/office/drawing/2014/main" id="{00859595-E0EE-B793-96BC-D6DCA2DABB95}"/>
+              </a:ext>
+            </a:extLst>
+          </p:cNvPr>
+          <p:cNvSpPr/>
+          <p:nvPr/>
+        </p:nvSpPr>
+        <p:spPr>
+          <a:xfrm>
+            <a:off x="484632" y="1765488"/>
+            <a:ext cx="11222736" cy="4671887"/>
+          </a:xfrm>
+          <a:prstGeom prst="roundRect">
+            <a:avLst>
+              <a:gd name="adj" fmla="val 1395"/>
+            </a:avLst>
+          </a:prstGeom>
+          <a:noFill/>
+          <a:ln w="38100">
+            <a:solidFill>
+              <a:srgbClr val="FFA500"/>
+            </a:solidFill>
+          </a:ln>
+        </p:spPr>
+        <p:style>
+          <a:lnRef idx="2">
+            <a:schemeClr val="accent1">
+              <a:shade val="15000"/>
+            </a:schemeClr>
+          </a:lnRef>
+          <a:fillRef idx="1">
+            <a:schemeClr val="accent1"/>
+          </a:fillRef>
+          <a:effectRef idx="0">
+            <a:schemeClr val="accent1"/>
+          </a:effectRef>
+          <a:fontRef idx="minor">
+            <a:schemeClr val="lt1"/>
+          </a:fontRef>
+        </p:style>
+        <p:txBody>
+          <a:bodyPr rtlCol="0" anchor="ctr"/>
+          <a:lstStyle/>
+          <a:p>
+            <a:pPr algn="ctr"/>
+            <a:r>
+              <a:rPr lang="it-IT" sz="2800" dirty="0">
+                <a:solidFill>
+                  <a:srgbClr val="6495ED"/>
+                </a:solidFill>
+                <a:latin typeface="Audiowide" panose="02000503000000020004" pitchFamily="2" charset="0"/>
+              </a:rPr>
+              <a:t>«NON FUNZIONA NIENTE»</a:t>
+            </a:r>
+          </a:p>
+          <a:p>
+            <a:pPr algn="ctr"/>
+            <a:r>
+              <a:rPr lang="it-IT" sz="1400" dirty="0">
+                <a:solidFill>
+                  <a:srgbClr val="6495ED"/>
+                </a:solidFill>
+                <a:latin typeface="Audiowide" panose="02000503000000020004" pitchFamily="2" charset="0"/>
+              </a:rPr>
+              <a:t>-Marco Porcella</a:t>
+            </a:r>
+          </a:p>
+          <a:p>
+            <a:pPr algn="ctr"/>
+            <a:endParaRPr lang="it-IT" sz="1400" dirty="0">
+              <a:solidFill>
+                <a:srgbClr val="6495ED"/>
+              </a:solidFill>
+              <a:latin typeface="Audiowide" panose="02000503000000020004" pitchFamily="2" charset="0"/>
+            </a:endParaRPr>
+          </a:p>
+          <a:p>
+            <a:pPr algn="ctr"/>
+            <a:r>
+              <a:rPr lang="it-IT" sz="2800" dirty="0">
+                <a:solidFill>
+                  <a:srgbClr val="6495ED"/>
+                </a:solidFill>
+                <a:latin typeface="Audiowide" panose="02000503000000020004" pitchFamily="2" charset="0"/>
+              </a:rPr>
+              <a:t>«MA COME SI FA?»</a:t>
+            </a:r>
+          </a:p>
+          <a:p>
+            <a:pPr algn="ctr"/>
+            <a:r>
+              <a:rPr lang="it-IT" sz="1400" dirty="0">
+                <a:solidFill>
+                  <a:srgbClr val="6495ED"/>
+                </a:solidFill>
+                <a:latin typeface="Audiowide" panose="02000503000000020004" pitchFamily="2" charset="0"/>
+              </a:rPr>
+              <a:t>-Andrea Crisafulli</a:t>
+            </a:r>
+          </a:p>
+          <a:p>
+            <a:pPr algn="ctr"/>
+            <a:endParaRPr lang="it-IT" sz="1400" dirty="0">
+              <a:solidFill>
+                <a:srgbClr val="6495ED"/>
+              </a:solidFill>
+              <a:latin typeface="Audiowide" panose="02000503000000020004" pitchFamily="2" charset="0"/>
+            </a:endParaRPr>
+          </a:p>
+          <a:p>
+            <a:pPr algn="ctr"/>
+            <a:r>
+              <a:rPr lang="it-IT" sz="2800" dirty="0">
+                <a:solidFill>
+                  <a:srgbClr val="6495ED"/>
+                </a:solidFill>
+                <a:latin typeface="Audiowide" panose="02000503000000020004" pitchFamily="2" charset="0"/>
+              </a:rPr>
+              <a:t>«CHIEDIAMO A CHAT GPT.»</a:t>
+            </a:r>
+          </a:p>
+          <a:p>
+            <a:pPr algn="ctr"/>
+            <a:r>
+              <a:rPr lang="it-IT" sz="1400" dirty="0">
+                <a:solidFill>
+                  <a:srgbClr val="6495ED"/>
+                </a:solidFill>
+                <a:latin typeface="Audiowide" panose="02000503000000020004" pitchFamily="2" charset="0"/>
+              </a:rPr>
+              <a:t>-Filippo Longhi</a:t>
+            </a:r>
+          </a:p>
+          <a:p>
+            <a:pPr algn="ctr"/>
+            <a:endParaRPr lang="it-IT" sz="1400" dirty="0">
+              <a:solidFill>
+                <a:srgbClr val="6495ED"/>
+              </a:solidFill>
+              <a:latin typeface="Audiowide" panose="02000503000000020004" pitchFamily="2" charset="0"/>
+            </a:endParaRPr>
+          </a:p>
+          <a:p>
+            <a:pPr algn="ctr"/>
+            <a:r>
+              <a:rPr lang="it-IT" sz="2800" dirty="0">
+                <a:solidFill>
+                  <a:srgbClr val="6495ED"/>
+                </a:solidFill>
+                <a:latin typeface="Audiowide" panose="02000503000000020004" pitchFamily="2" charset="0"/>
+              </a:rPr>
+              <a:t>«CAMBIAMO IL COLORE DELLO SFONDO»</a:t>
+            </a:r>
+          </a:p>
+          <a:p>
+            <a:pPr algn="ctr"/>
+            <a:r>
+              <a:rPr lang="it-IT" sz="1400" dirty="0">
+                <a:solidFill>
+                  <a:srgbClr val="6495ED"/>
+                </a:solidFill>
+                <a:latin typeface="Audiowide" panose="02000503000000020004" pitchFamily="2" charset="0"/>
+              </a:rPr>
+              <a:t>-Giacomo De Toni</a:t>
+            </a:r>
+          </a:p>
+        </p:txBody>
+      </p:sp>
+    </p:spTree>
+    <p:extLst>
+      <p:ext uri="{BB962C8B-B14F-4D97-AF65-F5344CB8AC3E}">
+        <p14:creationId xmlns:p14="http://schemas.microsoft.com/office/powerpoint/2010/main" val="3260121965"/>
       </p:ext>
     </p:extLst>
   </p:cSld>
